--- a/Everest_Phones_Final_Presentation.pptx
+++ b/Everest_Phones_Final_Presentation.pptx
@@ -5,7 +5,7 @@
     <p:sldMasterId id="2147483648" r:id="rId1"/>
   </p:sldMasterIdLst>
   <p:notesMasterIdLst>
-    <p:notesMasterId r:id="rId12"/>
+    <p:notesMasterId r:id="rId15"/>
   </p:notesMasterIdLst>
   <p:sldIdLst>
     <p:sldId id="256" r:id="rId2"/>
@@ -17,7 +17,10 @@
     <p:sldId id="270" r:id="rId8"/>
     <p:sldId id="271" r:id="rId9"/>
     <p:sldId id="272" r:id="rId10"/>
-    <p:sldId id="273" r:id="rId11"/>
+    <p:sldId id="274" r:id="rId11"/>
+    <p:sldId id="275" r:id="rId12"/>
+    <p:sldId id="276" r:id="rId13"/>
+    <p:sldId id="273" r:id="rId14"/>
   </p:sldIdLst>
   <p:sldSz cx="9144000" cy="6858000" type="screen4x3"/>
   <p:notesSz cx="6858000" cy="9144000"/>
@@ -3660,6 +3663,632 @@
 </file>
 
 <file path=ppt/slides/slide10.xml><?xml version="1.0" encoding="utf-8"?>
+<p:sld xmlns:a="http://schemas.openxmlformats.org/drawingml/2006/main" xmlns:r="http://schemas.openxmlformats.org/officeDocument/2006/relationships" xmlns:p="http://schemas.openxmlformats.org/presentationml/2006/main">
+  <p:cSld>
+    <p:spTree>
+      <p:nvGrpSpPr>
+        <p:cNvPr id="1" name=""/>
+        <p:cNvGrpSpPr/>
+        <p:nvPr/>
+      </p:nvGrpSpPr>
+      <p:grpSpPr>
+        <a:xfrm>
+          <a:off x="0" y="0"/>
+          <a:ext cx="0" cy="0"/>
+          <a:chOff x="0" y="0"/>
+          <a:chExt cx="0" cy="0"/>
+        </a:xfrm>
+      </p:grpSpPr>
+      <p:sp>
+        <p:nvSpPr>
+          <p:cNvPr id="2" name="Title 1"/>
+          <p:cNvSpPr>
+            <a:spLocks noGrp="1"/>
+          </p:cNvSpPr>
+          <p:nvPr>
+            <p:ph type="title"/>
+          </p:nvPr>
+        </p:nvSpPr>
+        <p:spPr>
+          <a:xfrm>
+            <a:off x="50800" y="457200"/>
+            <a:ext cx="8229600" cy="1143000"/>
+          </a:xfrm>
+        </p:spPr>
+        <p:txBody>
+          <a:bodyPr>
+            <a:normAutofit/>
+          </a:bodyPr>
+          <a:lstStyle/>
+          <a:p>
+            <a:r>
+              <a:rPr lang="en-US" sz="4000" b="1" dirty="0"/>
+              <a:t>Order History and Tracking</a:t>
+            </a:r>
+            <a:endParaRPr sz="4000" b="1" dirty="0"/>
+          </a:p>
+        </p:txBody>
+      </p:sp>
+      <p:sp>
+        <p:nvSpPr>
+          <p:cNvPr id="3" name="Content Placeholder 2"/>
+          <p:cNvSpPr>
+            <a:spLocks noGrp="1"/>
+          </p:cNvSpPr>
+          <p:nvPr>
+            <p:ph idx="1"/>
+          </p:nvPr>
+        </p:nvSpPr>
+        <p:spPr>
+          <a:xfrm>
+            <a:off x="439818" y="1447800"/>
+            <a:ext cx="8229600" cy="5105400"/>
+          </a:xfrm>
+        </p:spPr>
+        <p:txBody>
+          <a:bodyPr>
+            <a:normAutofit fontScale="92500" lnSpcReduction="20000"/>
+          </a:bodyPr>
+          <a:lstStyle/>
+          <a:p>
+            <a:pPr marL="0" indent="0" algn="just">
+              <a:buNone/>
+            </a:pPr>
+            <a:r>
+              <a:rPr lang="en-US" sz="2400" b="1" dirty="0"/>
+              <a:t>Pending</a:t>
+            </a:r>
+            <a:r>
+              <a:rPr lang="en-US" sz="1900" dirty="0" smtClean="0"/>
+              <a:t>:</a:t>
+            </a:r>
+            <a:endParaRPr lang="en-US" sz="1900" dirty="0"/>
+          </a:p>
+          <a:p>
+            <a:pPr marL="0" indent="0" algn="just">
+              <a:buNone/>
+            </a:pPr>
+            <a:r>
+              <a:rPr lang="en-US" sz="2000" dirty="0"/>
+              <a:t>When you place an order, it is initially in the "Pending" state</a:t>
+            </a:r>
+            <a:r>
+              <a:rPr lang="en-US" sz="2000" dirty="0" smtClean="0"/>
+              <a:t>.</a:t>
+            </a:r>
+          </a:p>
+          <a:p>
+            <a:pPr marL="0" indent="0" algn="just">
+              <a:buNone/>
+            </a:pPr>
+            <a:endParaRPr lang="en-US" sz="1900" dirty="0"/>
+          </a:p>
+          <a:p>
+            <a:pPr marL="0" indent="0" algn="just">
+              <a:buNone/>
+            </a:pPr>
+            <a:r>
+              <a:rPr lang="en-US" sz="2400" b="1" dirty="0"/>
+              <a:t>Paid and Shipped</a:t>
+            </a:r>
+            <a:r>
+              <a:rPr lang="en-US" sz="2400" b="1" dirty="0" smtClean="0"/>
+              <a:t>:</a:t>
+            </a:r>
+            <a:endParaRPr lang="en-US" sz="2400" b="1" dirty="0"/>
+          </a:p>
+          <a:p>
+            <a:pPr algn="just"/>
+            <a:r>
+              <a:rPr lang="en-US" sz="2000" dirty="0"/>
+              <a:t>After payment, the sys admin updates the order status.</a:t>
+            </a:r>
+          </a:p>
+          <a:p>
+            <a:pPr algn="just"/>
+            <a:r>
+              <a:rPr lang="en-US" sz="2000" dirty="0"/>
+              <a:t>The shipping method, tracking number, and ESN for the phone are assigned</a:t>
+            </a:r>
+            <a:r>
+              <a:rPr lang="en-US" sz="2000" dirty="0" smtClean="0"/>
+              <a:t>.</a:t>
+            </a:r>
+          </a:p>
+          <a:p>
+            <a:pPr marL="0" indent="0" algn="just">
+              <a:buNone/>
+            </a:pPr>
+            <a:endParaRPr lang="en-US" sz="2000" dirty="0" smtClean="0"/>
+          </a:p>
+          <a:p>
+            <a:pPr marL="0" indent="0" algn="just">
+              <a:buNone/>
+            </a:pPr>
+            <a:r>
+              <a:rPr lang="en-US" sz="2400" b="1" dirty="0" smtClean="0"/>
+              <a:t>Notifications:</a:t>
+            </a:r>
+            <a:endParaRPr lang="en-US" sz="2400" b="1" dirty="0"/>
+          </a:p>
+          <a:p>
+            <a:r>
+              <a:rPr lang="en-US" sz="2000" dirty="0"/>
+              <a:t>You will be notified via email once your order is shipped.</a:t>
+            </a:r>
+          </a:p>
+          <a:p>
+            <a:r>
+              <a:rPr lang="en-US" sz="2000" dirty="0"/>
+              <a:t>You can track the shipment using the provided tracking number.</a:t>
+            </a:r>
+          </a:p>
+          <a:p>
+            <a:pPr marL="0" indent="0" algn="just">
+              <a:buNone/>
+            </a:pPr>
+            <a:endParaRPr lang="en-US" sz="1900" dirty="0" smtClean="0"/>
+          </a:p>
+          <a:p>
+            <a:pPr marL="0" indent="0" algn="just">
+              <a:buNone/>
+            </a:pPr>
+            <a:r>
+              <a:rPr lang="en-US" sz="2200" b="1" dirty="0" smtClean="0"/>
+              <a:t>Invoice:</a:t>
+            </a:r>
+            <a:endParaRPr lang="en-US" sz="2200" b="1" dirty="0"/>
+          </a:p>
+          <a:p>
+            <a:pPr algn="just"/>
+            <a:r>
+              <a:rPr lang="en-US" sz="1900" dirty="0"/>
+              <a:t>View and download your invoice from the order details page</a:t>
+            </a:r>
+            <a:r>
+              <a:rPr lang="en-US" sz="1900" dirty="0" smtClean="0"/>
+              <a:t>.</a:t>
+            </a:r>
+          </a:p>
+          <a:p>
+            <a:pPr marL="0" indent="0" algn="just">
+              <a:buNone/>
+            </a:pPr>
+            <a:endParaRPr lang="en-US" sz="1900" dirty="0"/>
+          </a:p>
+          <a:p>
+            <a:pPr marL="0" indent="0" algn="just">
+              <a:buNone/>
+            </a:pPr>
+            <a:r>
+              <a:rPr lang="en-US" sz="2200" b="1" dirty="0"/>
+              <a:t>Delivered</a:t>
+            </a:r>
+            <a:r>
+              <a:rPr lang="en-US" sz="2200" b="1" dirty="0" smtClean="0"/>
+              <a:t>:</a:t>
+            </a:r>
+            <a:endParaRPr lang="en-US" sz="2200" b="1" dirty="0"/>
+          </a:p>
+          <a:p>
+            <a:pPr algn="just"/>
+            <a:r>
+              <a:rPr lang="en-US" sz="1800" dirty="0"/>
+              <a:t>Once your order has arrived, the status will be updated to "Delivered".</a:t>
+            </a:r>
+          </a:p>
+          <a:p>
+            <a:pPr algn="just"/>
+            <a:r>
+              <a:rPr lang="en-US" sz="1800" dirty="0"/>
+              <a:t>A final email notification will confirm successful delivery.</a:t>
+            </a:r>
+            <a:endParaRPr lang="en-US" sz="1800" dirty="0"/>
+          </a:p>
+        </p:txBody>
+      </p:sp>
+      <p:pic>
+        <p:nvPicPr>
+          <p:cNvPr id="4" name="Picture 3"/>
+          <p:cNvPicPr>
+            <a:picLocks noChangeAspect="1"/>
+          </p:cNvPicPr>
+          <p:nvPr/>
+        </p:nvPicPr>
+        <p:blipFill>
+          <a:blip r:embed="rId2" cstate="print">
+            <a:extLst>
+              <a:ext uri="{28A0092B-C50C-407E-A947-70E740481C1C}">
+                <a14:useLocalDpi xmlns:a14="http://schemas.microsoft.com/office/drawing/2010/main" val="0"/>
+              </a:ext>
+            </a:extLst>
+          </a:blip>
+          <a:stretch>
+            <a:fillRect/>
+          </a:stretch>
+        </p:blipFill>
+        <p:spPr>
+          <a:xfrm>
+            <a:off x="6743700" y="88900"/>
+            <a:ext cx="2260600" cy="482600"/>
+          </a:xfrm>
+          <a:prstGeom prst="rect">
+            <a:avLst/>
+          </a:prstGeom>
+        </p:spPr>
+      </p:pic>
+      <p:cxnSp>
+        <p:nvCxnSpPr>
+          <p:cNvPr id="5" name="Straight Connector 4"/>
+          <p:cNvCxnSpPr/>
+          <p:nvPr/>
+        </p:nvCxnSpPr>
+        <p:spPr>
+          <a:xfrm flipV="1">
+            <a:off x="145576" y="698636"/>
+            <a:ext cx="8912860" cy="1"/>
+          </a:xfrm>
+          <a:prstGeom prst="line">
+            <a:avLst/>
+          </a:prstGeom>
+        </p:spPr>
+        <p:style>
+          <a:lnRef idx="3">
+            <a:schemeClr val="dk1"/>
+          </a:lnRef>
+          <a:fillRef idx="0">
+            <a:schemeClr val="dk1"/>
+          </a:fillRef>
+          <a:effectRef idx="2">
+            <a:schemeClr val="dk1"/>
+          </a:effectRef>
+          <a:fontRef idx="minor">
+            <a:schemeClr val="tx1"/>
+          </a:fontRef>
+        </p:style>
+      </p:cxnSp>
+    </p:spTree>
+    <p:extLst>
+      <p:ext uri="{BB962C8B-B14F-4D97-AF65-F5344CB8AC3E}">
+        <p14:creationId xmlns:p14="http://schemas.microsoft.com/office/powerpoint/2010/main" val="2448589224"/>
+      </p:ext>
+    </p:extLst>
+  </p:cSld>
+  <p:clrMapOvr>
+    <a:masterClrMapping/>
+  </p:clrMapOvr>
+</p:sld>
+</file>
+
+<file path=ppt/slides/slide11.xml><?xml version="1.0" encoding="utf-8"?>
+<p:sld xmlns:a="http://schemas.openxmlformats.org/drawingml/2006/main" xmlns:r="http://schemas.openxmlformats.org/officeDocument/2006/relationships" xmlns:p="http://schemas.openxmlformats.org/presentationml/2006/main">
+  <p:cSld>
+    <p:spTree>
+      <p:nvGrpSpPr>
+        <p:cNvPr id="1" name=""/>
+        <p:cNvGrpSpPr/>
+        <p:nvPr/>
+      </p:nvGrpSpPr>
+      <p:grpSpPr>
+        <a:xfrm>
+          <a:off x="0" y="0"/>
+          <a:ext cx="0" cy="0"/>
+          <a:chOff x="0" y="0"/>
+          <a:chExt cx="0" cy="0"/>
+        </a:xfrm>
+      </p:grpSpPr>
+      <p:sp>
+        <p:nvSpPr>
+          <p:cNvPr id="2" name="Title 1"/>
+          <p:cNvSpPr>
+            <a:spLocks noGrp="1"/>
+          </p:cNvSpPr>
+          <p:nvPr>
+            <p:ph type="title"/>
+          </p:nvPr>
+        </p:nvSpPr>
+        <p:spPr>
+          <a:xfrm>
+            <a:off x="50800" y="457200"/>
+            <a:ext cx="8229600" cy="1143000"/>
+          </a:xfrm>
+        </p:spPr>
+        <p:txBody>
+          <a:bodyPr>
+            <a:normAutofit/>
+          </a:bodyPr>
+          <a:lstStyle/>
+          <a:p>
+            <a:r>
+              <a:rPr lang="en-US" sz="3400" b="1" dirty="0" smtClean="0"/>
+              <a:t>Some Screenshot of user order dashboard</a:t>
+            </a:r>
+            <a:endParaRPr sz="3400" b="1" dirty="0"/>
+          </a:p>
+        </p:txBody>
+      </p:sp>
+      <p:pic>
+        <p:nvPicPr>
+          <p:cNvPr id="9" name="Content Placeholder 8"/>
+          <p:cNvPicPr>
+            <a:picLocks noGrp="1" noChangeAspect="1"/>
+          </p:cNvPicPr>
+          <p:nvPr>
+            <p:ph idx="1"/>
+          </p:nvPr>
+        </p:nvPicPr>
+        <p:blipFill>
+          <a:blip r:embed="rId2">
+            <a:extLst>
+              <a:ext uri="{28A0092B-C50C-407E-A947-70E740481C1C}">
+                <a14:useLocalDpi xmlns:a14="http://schemas.microsoft.com/office/drawing/2010/main" val="0"/>
+              </a:ext>
+            </a:extLst>
+          </a:blip>
+          <a:stretch>
+            <a:fillRect/>
+          </a:stretch>
+        </p:blipFill>
+        <p:spPr>
+          <a:xfrm>
+            <a:off x="713438" y="3906982"/>
+            <a:ext cx="7031254" cy="2549235"/>
+          </a:xfrm>
+        </p:spPr>
+      </p:pic>
+      <p:pic>
+        <p:nvPicPr>
+          <p:cNvPr id="4" name="Picture 3"/>
+          <p:cNvPicPr>
+            <a:picLocks noChangeAspect="1"/>
+          </p:cNvPicPr>
+          <p:nvPr/>
+        </p:nvPicPr>
+        <p:blipFill>
+          <a:blip r:embed="rId3" cstate="print">
+            <a:extLst>
+              <a:ext uri="{28A0092B-C50C-407E-A947-70E740481C1C}">
+                <a14:useLocalDpi xmlns:a14="http://schemas.microsoft.com/office/drawing/2010/main" val="0"/>
+              </a:ext>
+            </a:extLst>
+          </a:blip>
+          <a:stretch>
+            <a:fillRect/>
+          </a:stretch>
+        </p:blipFill>
+        <p:spPr>
+          <a:xfrm>
+            <a:off x="6743700" y="88900"/>
+            <a:ext cx="2260600" cy="482600"/>
+          </a:xfrm>
+          <a:prstGeom prst="rect">
+            <a:avLst/>
+          </a:prstGeom>
+        </p:spPr>
+      </p:pic>
+      <p:cxnSp>
+        <p:nvCxnSpPr>
+          <p:cNvPr id="5" name="Straight Connector 4"/>
+          <p:cNvCxnSpPr/>
+          <p:nvPr/>
+        </p:nvCxnSpPr>
+        <p:spPr>
+          <a:xfrm flipV="1">
+            <a:off x="145576" y="698636"/>
+            <a:ext cx="8912860" cy="1"/>
+          </a:xfrm>
+          <a:prstGeom prst="line">
+            <a:avLst/>
+          </a:prstGeom>
+        </p:spPr>
+        <p:style>
+          <a:lnRef idx="3">
+            <a:schemeClr val="dk1"/>
+          </a:lnRef>
+          <a:fillRef idx="0">
+            <a:schemeClr val="dk1"/>
+          </a:fillRef>
+          <a:effectRef idx="2">
+            <a:schemeClr val="dk1"/>
+          </a:effectRef>
+          <a:fontRef idx="minor">
+            <a:schemeClr val="tx1"/>
+          </a:fontRef>
+        </p:style>
+      </p:cxnSp>
+      <p:pic>
+        <p:nvPicPr>
+          <p:cNvPr id="8" name="Picture 7"/>
+          <p:cNvPicPr>
+            <a:picLocks noChangeAspect="1"/>
+          </p:cNvPicPr>
+          <p:nvPr/>
+        </p:nvPicPr>
+        <p:blipFill>
+          <a:blip r:embed="rId4">
+            <a:extLst>
+              <a:ext uri="{28A0092B-C50C-407E-A947-70E740481C1C}">
+                <a14:useLocalDpi xmlns:a14="http://schemas.microsoft.com/office/drawing/2010/main" val="0"/>
+              </a:ext>
+            </a:extLst>
+          </a:blip>
+          <a:stretch>
+            <a:fillRect/>
+          </a:stretch>
+        </p:blipFill>
+        <p:spPr>
+          <a:xfrm>
+            <a:off x="1115220" y="1353773"/>
+            <a:ext cx="6449363" cy="2436732"/>
+          </a:xfrm>
+          <a:prstGeom prst="rect">
+            <a:avLst/>
+          </a:prstGeom>
+        </p:spPr>
+      </p:pic>
+    </p:spTree>
+    <p:extLst>
+      <p:ext uri="{BB962C8B-B14F-4D97-AF65-F5344CB8AC3E}">
+        <p14:creationId xmlns:p14="http://schemas.microsoft.com/office/powerpoint/2010/main" val="2992781404"/>
+      </p:ext>
+    </p:extLst>
+  </p:cSld>
+  <p:clrMapOvr>
+    <a:masterClrMapping/>
+  </p:clrMapOvr>
+</p:sld>
+</file>
+
+<file path=ppt/slides/slide12.xml><?xml version="1.0" encoding="utf-8"?>
+<p:sld xmlns:a="http://schemas.openxmlformats.org/drawingml/2006/main" xmlns:r="http://schemas.openxmlformats.org/officeDocument/2006/relationships" xmlns:p="http://schemas.openxmlformats.org/presentationml/2006/main">
+  <p:cSld>
+    <p:spTree>
+      <p:nvGrpSpPr>
+        <p:cNvPr id="1" name=""/>
+        <p:cNvGrpSpPr/>
+        <p:nvPr/>
+      </p:nvGrpSpPr>
+      <p:grpSpPr>
+        <a:xfrm>
+          <a:off x="0" y="0"/>
+          <a:ext cx="0" cy="0"/>
+          <a:chOff x="0" y="0"/>
+          <a:chExt cx="0" cy="0"/>
+        </a:xfrm>
+      </p:grpSpPr>
+      <p:sp>
+        <p:nvSpPr>
+          <p:cNvPr id="2" name="Title 1"/>
+          <p:cNvSpPr>
+            <a:spLocks noGrp="1"/>
+          </p:cNvSpPr>
+          <p:nvPr>
+            <p:ph type="title"/>
+          </p:nvPr>
+        </p:nvSpPr>
+        <p:spPr>
+          <a:xfrm>
+            <a:off x="50800" y="457200"/>
+            <a:ext cx="8229600" cy="1143000"/>
+          </a:xfrm>
+        </p:spPr>
+        <p:txBody>
+          <a:bodyPr>
+            <a:normAutofit/>
+          </a:bodyPr>
+          <a:lstStyle/>
+          <a:p>
+            <a:r>
+              <a:rPr lang="en-US" sz="3400" b="1" dirty="0" smtClean="0"/>
+              <a:t>Screenshot of invoice</a:t>
+            </a:r>
+            <a:endParaRPr sz="3400" b="1" dirty="0"/>
+          </a:p>
+        </p:txBody>
+      </p:sp>
+      <p:pic>
+        <p:nvPicPr>
+          <p:cNvPr id="4" name="Picture 3"/>
+          <p:cNvPicPr>
+            <a:picLocks noChangeAspect="1"/>
+          </p:cNvPicPr>
+          <p:nvPr/>
+        </p:nvPicPr>
+        <p:blipFill>
+          <a:blip r:embed="rId2" cstate="print">
+            <a:extLst>
+              <a:ext uri="{28A0092B-C50C-407E-A947-70E740481C1C}">
+                <a14:useLocalDpi xmlns:a14="http://schemas.microsoft.com/office/drawing/2010/main" val="0"/>
+              </a:ext>
+            </a:extLst>
+          </a:blip>
+          <a:stretch>
+            <a:fillRect/>
+          </a:stretch>
+        </p:blipFill>
+        <p:spPr>
+          <a:xfrm>
+            <a:off x="6743700" y="88900"/>
+            <a:ext cx="2260600" cy="482600"/>
+          </a:xfrm>
+          <a:prstGeom prst="rect">
+            <a:avLst/>
+          </a:prstGeom>
+        </p:spPr>
+      </p:pic>
+      <p:cxnSp>
+        <p:nvCxnSpPr>
+          <p:cNvPr id="5" name="Straight Connector 4"/>
+          <p:cNvCxnSpPr/>
+          <p:nvPr/>
+        </p:nvCxnSpPr>
+        <p:spPr>
+          <a:xfrm flipV="1">
+            <a:off x="145576" y="698636"/>
+            <a:ext cx="8912860" cy="1"/>
+          </a:xfrm>
+          <a:prstGeom prst="line">
+            <a:avLst/>
+          </a:prstGeom>
+        </p:spPr>
+        <p:style>
+          <a:lnRef idx="3">
+            <a:schemeClr val="dk1"/>
+          </a:lnRef>
+          <a:fillRef idx="0">
+            <a:schemeClr val="dk1"/>
+          </a:fillRef>
+          <a:effectRef idx="2">
+            <a:schemeClr val="dk1"/>
+          </a:effectRef>
+          <a:fontRef idx="minor">
+            <a:schemeClr val="tx1"/>
+          </a:fontRef>
+        </p:style>
+      </p:cxnSp>
+      <p:pic>
+        <p:nvPicPr>
+          <p:cNvPr id="6" name="Content Placeholder 5"/>
+          <p:cNvPicPr>
+            <a:picLocks noGrp="1" noChangeAspect="1"/>
+          </p:cNvPicPr>
+          <p:nvPr>
+            <p:ph idx="1"/>
+          </p:nvPr>
+        </p:nvPicPr>
+        <p:blipFill>
+          <a:blip r:embed="rId3">
+            <a:extLst>
+              <a:ext uri="{28A0092B-C50C-407E-A947-70E740481C1C}">
+                <a14:useLocalDpi xmlns:a14="http://schemas.microsoft.com/office/drawing/2010/main" val="0"/>
+              </a:ext>
+            </a:extLst>
+          </a:blip>
+          <a:stretch>
+            <a:fillRect/>
+          </a:stretch>
+        </p:blipFill>
+        <p:spPr>
+          <a:xfrm>
+            <a:off x="982335" y="1634019"/>
+            <a:ext cx="7177992" cy="4780635"/>
+          </a:xfrm>
+        </p:spPr>
+      </p:pic>
+    </p:spTree>
+    <p:extLst>
+      <p:ext uri="{BB962C8B-B14F-4D97-AF65-F5344CB8AC3E}">
+        <p14:creationId xmlns:p14="http://schemas.microsoft.com/office/powerpoint/2010/main" val="3800404456"/>
+      </p:ext>
+    </p:extLst>
+  </p:cSld>
+  <p:clrMapOvr>
+    <a:masterClrMapping/>
+  </p:clrMapOvr>
+</p:sld>
+</file>
+
+<file path=ppt/slides/slide13.xml><?xml version="1.0" encoding="utf-8"?>
 <p:sld xmlns:a="http://schemas.openxmlformats.org/drawingml/2006/main" xmlns:r="http://schemas.openxmlformats.org/officeDocument/2006/relationships" xmlns:p="http://schemas.openxmlformats.org/presentationml/2006/main">
   <p:cSld>
     <p:spTree>

--- a/Everest_Phones_Final_Presentation.pptx
+++ b/Everest_Phones_Final_Presentation.pptx
@@ -5,7 +5,7 @@
     <p:sldMasterId id="2147483648" r:id="rId1"/>
   </p:sldMasterIdLst>
   <p:notesMasterIdLst>
-    <p:notesMasterId r:id="rId15"/>
+    <p:notesMasterId r:id="rId19"/>
   </p:notesMasterIdLst>
   <p:sldIdLst>
     <p:sldId id="256" r:id="rId2"/>
@@ -21,6 +21,10 @@
     <p:sldId id="275" r:id="rId12"/>
     <p:sldId id="276" r:id="rId13"/>
     <p:sldId id="273" r:id="rId14"/>
+    <p:sldId id="278" r:id="rId15"/>
+    <p:sldId id="277" r:id="rId16"/>
+    <p:sldId id="280" r:id="rId17"/>
+    <p:sldId id="279" r:id="rId18"/>
   </p:sldIdLst>
   <p:sldSz cx="9144000" cy="6858000" type="screen4x3"/>
   <p:notesSz cx="6858000" cy="9144000"/>
@@ -220,7 +224,7 @@
           <a:p>
             <a:fld id="{EEF77E8F-D920-46AC-87E3-FF888FA0C34C}" type="datetimeFigureOut">
               <a:rPr lang="en-US" smtClean="0"/>
-              <a:t>9/19/2024</a:t>
+              <a:t>9/21/2024</a:t>
             </a:fld>
             <a:endParaRPr lang="en-US"/>
           </a:p>
@@ -753,7 +757,7 @@
           <a:p>
             <a:fld id="{5BCAD085-E8A6-8845-BD4E-CB4CCA059FC4}" type="datetimeFigureOut">
               <a:rPr lang="en-US" smtClean="0"/>
-              <a:t>9/19/2024</a:t>
+              <a:t>9/21/2024</a:t>
             </a:fld>
             <a:endParaRPr lang="en-US"/>
           </a:p>
@@ -923,7 +927,7 @@
           <a:p>
             <a:fld id="{5BCAD085-E8A6-8845-BD4E-CB4CCA059FC4}" type="datetimeFigureOut">
               <a:rPr lang="en-US" smtClean="0"/>
-              <a:t>9/19/2024</a:t>
+              <a:t>9/21/2024</a:t>
             </a:fld>
             <a:endParaRPr lang="en-US"/>
           </a:p>
@@ -1103,7 +1107,7 @@
           <a:p>
             <a:fld id="{5BCAD085-E8A6-8845-BD4E-CB4CCA059FC4}" type="datetimeFigureOut">
               <a:rPr lang="en-US" smtClean="0"/>
-              <a:t>9/19/2024</a:t>
+              <a:t>9/21/2024</a:t>
             </a:fld>
             <a:endParaRPr lang="en-US"/>
           </a:p>
@@ -1273,7 +1277,7 @@
           <a:p>
             <a:fld id="{5BCAD085-E8A6-8845-BD4E-CB4CCA059FC4}" type="datetimeFigureOut">
               <a:rPr lang="en-US" smtClean="0"/>
-              <a:t>9/19/2024</a:t>
+              <a:t>9/21/2024</a:t>
             </a:fld>
             <a:endParaRPr lang="en-US"/>
           </a:p>
@@ -1519,7 +1523,7 @@
           <a:p>
             <a:fld id="{5BCAD085-E8A6-8845-BD4E-CB4CCA059FC4}" type="datetimeFigureOut">
               <a:rPr lang="en-US" smtClean="0"/>
-              <a:t>9/19/2024</a:t>
+              <a:t>9/21/2024</a:t>
             </a:fld>
             <a:endParaRPr lang="en-US"/>
           </a:p>
@@ -1807,7 +1811,7 @@
           <a:p>
             <a:fld id="{5BCAD085-E8A6-8845-BD4E-CB4CCA059FC4}" type="datetimeFigureOut">
               <a:rPr lang="en-US" smtClean="0"/>
-              <a:t>9/19/2024</a:t>
+              <a:t>9/21/2024</a:t>
             </a:fld>
             <a:endParaRPr lang="en-US"/>
           </a:p>
@@ -2229,7 +2233,7 @@
           <a:p>
             <a:fld id="{5BCAD085-E8A6-8845-BD4E-CB4CCA059FC4}" type="datetimeFigureOut">
               <a:rPr lang="en-US" smtClean="0"/>
-              <a:t>9/19/2024</a:t>
+              <a:t>9/21/2024</a:t>
             </a:fld>
             <a:endParaRPr lang="en-US"/>
           </a:p>
@@ -2347,7 +2351,7 @@
           <a:p>
             <a:fld id="{5BCAD085-E8A6-8845-BD4E-CB4CCA059FC4}" type="datetimeFigureOut">
               <a:rPr lang="en-US" smtClean="0"/>
-              <a:t>9/19/2024</a:t>
+              <a:t>9/21/2024</a:t>
             </a:fld>
             <a:endParaRPr lang="en-US"/>
           </a:p>
@@ -2442,7 +2446,7 @@
           <a:p>
             <a:fld id="{5BCAD085-E8A6-8845-BD4E-CB4CCA059FC4}" type="datetimeFigureOut">
               <a:rPr lang="en-US" smtClean="0"/>
-              <a:t>9/19/2024</a:t>
+              <a:t>9/21/2024</a:t>
             </a:fld>
             <a:endParaRPr lang="en-US"/>
           </a:p>
@@ -2719,7 +2723,7 @@
           <a:p>
             <a:fld id="{5BCAD085-E8A6-8845-BD4E-CB4CCA059FC4}" type="datetimeFigureOut">
               <a:rPr lang="en-US" smtClean="0"/>
-              <a:t>9/19/2024</a:t>
+              <a:t>9/21/2024</a:t>
             </a:fld>
             <a:endParaRPr lang="en-US"/>
           </a:p>
@@ -2972,7 +2976,7 @@
           <a:p>
             <a:fld id="{5BCAD085-E8A6-8845-BD4E-CB4CCA059FC4}" type="datetimeFigureOut">
               <a:rPr lang="en-US" smtClean="0"/>
-              <a:t>9/19/2024</a:t>
+              <a:t>9/21/2024</a:t>
             </a:fld>
             <a:endParaRPr lang="en-US"/>
           </a:p>
@@ -3185,7 +3189,7 @@
           <a:p>
             <a:fld id="{5BCAD085-E8A6-8845-BD4E-CB4CCA059FC4}" type="datetimeFigureOut">
               <a:rPr lang="en-US" smtClean="0"/>
-              <a:t>9/19/2024</a:t>
+              <a:t>9/21/2024</a:t>
             </a:fld>
             <a:endParaRPr lang="en-US"/>
           </a:p>
@@ -3883,7 +3887,6 @@
               <a:rPr lang="en-US" sz="1800" dirty="0"/>
               <a:t>A final email notification will confirm successful delivery.</a:t>
             </a:r>
-            <a:endParaRPr lang="en-US" sz="1800" dirty="0"/>
           </a:p>
         </p:txBody>
       </p:sp>
@@ -4317,7 +4320,7 @@
         </p:nvSpPr>
         <p:spPr>
           <a:xfrm>
-            <a:off x="50800" y="457200"/>
+            <a:off x="0" y="484091"/>
             <a:ext cx="8229600" cy="1143000"/>
           </a:xfrm>
         </p:spPr>
@@ -4328,10 +4331,10 @@
           <a:lstStyle/>
           <a:p>
             <a:r>
-              <a:rPr lang="en-US" sz="4000" b="1" dirty="0"/>
-              <a:t>Contact Support</a:t>
-            </a:r>
-            <a:endParaRPr sz="4000" b="1" dirty="0"/>
+              <a:rPr lang="en-US" sz="3000" b="1" dirty="0"/>
+              <a:t>Negotiating Offers: Flexible Pricing for Phones</a:t>
+            </a:r>
+            <a:endParaRPr sz="3000" b="1" dirty="0"/>
           </a:p>
         </p:txBody>
       </p:sp>
@@ -4347,55 +4350,209 @@
         </p:nvSpPr>
         <p:spPr>
           <a:xfrm>
-            <a:off x="648269" y="1412544"/>
-            <a:ext cx="8229600" cy="4525963"/>
+            <a:off x="145576" y="1315562"/>
+            <a:ext cx="8998424" cy="5445456"/>
           </a:xfrm>
         </p:spPr>
         <p:txBody>
           <a:bodyPr>
-            <a:normAutofit/>
+            <a:normAutofit lnSpcReduction="10000"/>
           </a:bodyPr>
           <a:lstStyle/>
           <a:p>
-            <a:pPr marL="0" indent="0">
+            <a:pPr marL="0" indent="0" algn="just">
               <a:buNone/>
             </a:pPr>
             <a:r>
-              <a:rPr lang="en-US" sz="2000" dirty="0"/>
-              <a:t>For assistance with your orders or account:</a:t>
-            </a:r>
-          </a:p>
-          <a:p>
-            <a:endParaRPr lang="en-US" sz="2000" dirty="0"/>
-          </a:p>
-          <a:p>
-            <a:pPr marL="0" indent="0">
+              <a:rPr lang="en-US" sz="1900" b="1" dirty="0">
+                <a:solidFill>
+                  <a:srgbClr val="FF0000"/>
+                </a:solidFill>
+              </a:rPr>
+              <a:t>Making an Offer</a:t>
+            </a:r>
+            <a:r>
+              <a:rPr lang="en-US" sz="1900" b="1" dirty="0" smtClean="0">
+                <a:solidFill>
+                  <a:srgbClr val="FF0000"/>
+                </a:solidFill>
+              </a:rPr>
+              <a:t>:</a:t>
+            </a:r>
+            <a:endParaRPr lang="en-US" sz="1900" b="1" dirty="0">
+              <a:solidFill>
+                <a:srgbClr val="FF0000"/>
+              </a:solidFill>
+            </a:endParaRPr>
+          </a:p>
+          <a:p>
+            <a:pPr algn="just"/>
+            <a:r>
+              <a:rPr lang="en-US" sz="1900" dirty="0"/>
+              <a:t>If the listed price of a phone is $500, the user can make an offer for a lower price (e.g., $485).</a:t>
+            </a:r>
+          </a:p>
+          <a:p>
+            <a:pPr algn="just"/>
+            <a:r>
+              <a:rPr lang="en-US" sz="1900" dirty="0"/>
+              <a:t>The offer can be submitted via the Offer(s) section</a:t>
+            </a:r>
+            <a:r>
+              <a:rPr lang="en-US" sz="1900" dirty="0" smtClean="0"/>
+              <a:t>.</a:t>
+            </a:r>
+            <a:endParaRPr lang="en-US" sz="1900" dirty="0"/>
+          </a:p>
+          <a:p>
+            <a:pPr marL="0" indent="0" algn="just">
               <a:buNone/>
             </a:pPr>
             <a:r>
-              <a:rPr lang="en-US" sz="2000" dirty="0"/>
-              <a:t>• Email: support@everestphones.com</a:t>
-            </a:r>
-          </a:p>
-          <a:p>
-            <a:pPr marL="0" indent="0">
+              <a:rPr lang="en-US" sz="1900" b="1" dirty="0">
+                <a:solidFill>
+                  <a:srgbClr val="FF0000"/>
+                </a:solidFill>
+              </a:rPr>
+              <a:t>Offer Review by Admin</a:t>
+            </a:r>
+            <a:r>
+              <a:rPr lang="en-US" sz="1900" b="1" dirty="0" smtClean="0">
+                <a:solidFill>
+                  <a:srgbClr val="FF0000"/>
+                </a:solidFill>
+              </a:rPr>
+              <a:t>:</a:t>
+            </a:r>
+            <a:endParaRPr lang="en-US" sz="1900" b="1" dirty="0">
+              <a:solidFill>
+                <a:srgbClr val="FF0000"/>
+              </a:solidFill>
+            </a:endParaRPr>
+          </a:p>
+          <a:p>
+            <a:pPr algn="just"/>
+            <a:r>
+              <a:rPr lang="en-US" sz="1900" dirty="0"/>
+              <a:t>The system admin will review the user's offer.</a:t>
+            </a:r>
+          </a:p>
+          <a:p>
+            <a:pPr algn="just"/>
+            <a:r>
+              <a:rPr lang="en-US" sz="1900" dirty="0"/>
+              <a:t>Admin can either accept, reject, or counter the offer with a new price (e.g., $490</a:t>
+            </a:r>
+            <a:r>
+              <a:rPr lang="en-US" sz="1900" dirty="0" smtClean="0"/>
+              <a:t>).</a:t>
+            </a:r>
+            <a:endParaRPr lang="en-US" sz="1900" dirty="0"/>
+          </a:p>
+          <a:p>
+            <a:pPr marL="0" indent="0" algn="just">
               <a:buNone/>
             </a:pPr>
             <a:r>
-              <a:rPr lang="en-US" sz="2000" dirty="0"/>
-              <a:t>• Phone: +1-800-EVEREST</a:t>
-            </a:r>
-          </a:p>
-          <a:p>
-            <a:endParaRPr lang="en-US" sz="2000" dirty="0"/>
-          </a:p>
-          <a:p>
-            <a:endParaRPr lang="en-US" sz="2000" dirty="0"/>
+              <a:rPr lang="en-US" sz="1900" b="1" dirty="0">
+                <a:solidFill>
+                  <a:srgbClr val="FF0000"/>
+                </a:solidFill>
+              </a:rPr>
+              <a:t>User Response</a:t>
+            </a:r>
+            <a:r>
+              <a:rPr lang="en-US" sz="1900" b="1" dirty="0" smtClean="0">
+                <a:solidFill>
+                  <a:srgbClr val="FF0000"/>
+                </a:solidFill>
+              </a:rPr>
+              <a:t>:</a:t>
+            </a:r>
+            <a:endParaRPr lang="en-US" sz="1900" b="1" dirty="0">
+              <a:solidFill>
+                <a:srgbClr val="FF0000"/>
+              </a:solidFill>
+            </a:endParaRPr>
+          </a:p>
+          <a:p>
+            <a:pPr algn="just"/>
+            <a:r>
+              <a:rPr lang="en-US" sz="1900" dirty="0"/>
+              <a:t>The user will be notified via email or can visit the Offer(s) section to check the updated offer.</a:t>
+            </a:r>
+          </a:p>
+          <a:p>
+            <a:pPr algn="just"/>
+            <a:r>
+              <a:rPr lang="en-US" sz="1900" dirty="0"/>
+              <a:t>The user can accept, reject, or make one final counter-offer.</a:t>
+            </a:r>
           </a:p>
           <a:p>
             <a:pPr marL="0" indent="0" algn="just">
               <a:buNone/>
             </a:pPr>
+            <a:r>
+              <a:rPr lang="en-US" sz="1900" b="1" dirty="0">
+                <a:solidFill>
+                  <a:srgbClr val="FF0000"/>
+                </a:solidFill>
+              </a:rPr>
+              <a:t>Offer Limit</a:t>
+            </a:r>
+            <a:r>
+              <a:rPr lang="en-US" sz="1900" b="1" dirty="0" smtClean="0">
+                <a:solidFill>
+                  <a:srgbClr val="FF0000"/>
+                </a:solidFill>
+              </a:rPr>
+              <a:t>:</a:t>
+            </a:r>
+            <a:endParaRPr lang="en-US" sz="1900" b="1" dirty="0">
+              <a:solidFill>
+                <a:srgbClr val="FF0000"/>
+              </a:solidFill>
+            </a:endParaRPr>
+          </a:p>
+          <a:p>
+            <a:pPr algn="just"/>
+            <a:r>
+              <a:rPr lang="en-US" sz="1900" dirty="0"/>
+              <a:t>The offer negotiation can only happen twice. After that, the final offer must be accepted or rejected.</a:t>
+            </a:r>
+          </a:p>
+          <a:p>
+            <a:pPr marL="0" indent="0" algn="just">
+              <a:buNone/>
+            </a:pPr>
+            <a:r>
+              <a:rPr lang="en-US" sz="1900" b="1" dirty="0">
+                <a:solidFill>
+                  <a:srgbClr val="FF0000"/>
+                </a:solidFill>
+              </a:rPr>
+              <a:t>Checkout Process</a:t>
+            </a:r>
+            <a:r>
+              <a:rPr lang="en-US" sz="1900" b="1" dirty="0" smtClean="0">
+                <a:solidFill>
+                  <a:srgbClr val="FF0000"/>
+                </a:solidFill>
+              </a:rPr>
+              <a:t>:</a:t>
+            </a:r>
+          </a:p>
+          <a:p>
+            <a:pPr algn="just"/>
+            <a:r>
+              <a:rPr lang="en-US" sz="1900" dirty="0" smtClean="0"/>
+              <a:t>Once </a:t>
+            </a:r>
+            <a:r>
+              <a:rPr lang="en-US" sz="1900" dirty="0"/>
+              <a:t>the offer is accepted, the user can proceed to checkout by adding the phone to the cart and completing the order just like any regular purchase.</a:t>
+            </a:r>
             <a:endParaRPr sz="1900" dirty="0"/>
           </a:p>
         </p:txBody>
@@ -4464,6 +4621,649 @@
     <p:extLst>
       <p:ext uri="{BB962C8B-B14F-4D97-AF65-F5344CB8AC3E}">
         <p14:creationId xmlns:p14="http://schemas.microsoft.com/office/powerpoint/2010/main" val="362223215"/>
+      </p:ext>
+    </p:extLst>
+  </p:cSld>
+  <p:clrMapOvr>
+    <a:masterClrMapping/>
+  </p:clrMapOvr>
+</p:sld>
+</file>
+
+<file path=ppt/slides/slide14.xml><?xml version="1.0" encoding="utf-8"?>
+<p:sld xmlns:a="http://schemas.openxmlformats.org/drawingml/2006/main" xmlns:r="http://schemas.openxmlformats.org/officeDocument/2006/relationships" xmlns:p="http://schemas.openxmlformats.org/presentationml/2006/main">
+  <p:cSld>
+    <p:spTree>
+      <p:nvGrpSpPr>
+        <p:cNvPr id="1" name=""/>
+        <p:cNvGrpSpPr/>
+        <p:nvPr/>
+      </p:nvGrpSpPr>
+      <p:grpSpPr>
+        <a:xfrm>
+          <a:off x="0" y="0"/>
+          <a:ext cx="0" cy="0"/>
+          <a:chOff x="0" y="0"/>
+          <a:chExt cx="0" cy="0"/>
+        </a:xfrm>
+      </p:grpSpPr>
+      <p:sp>
+        <p:nvSpPr>
+          <p:cNvPr id="2" name="Title 1"/>
+          <p:cNvSpPr>
+            <a:spLocks noGrp="1"/>
+          </p:cNvSpPr>
+          <p:nvPr>
+            <p:ph type="title"/>
+          </p:nvPr>
+        </p:nvSpPr>
+        <p:spPr>
+          <a:xfrm>
+            <a:off x="50800" y="457200"/>
+            <a:ext cx="8229600" cy="1143000"/>
+          </a:xfrm>
+        </p:spPr>
+        <p:txBody>
+          <a:bodyPr>
+            <a:normAutofit/>
+          </a:bodyPr>
+          <a:lstStyle/>
+          <a:p>
+            <a:r>
+              <a:rPr lang="en-US" sz="4000" b="1" dirty="0" smtClean="0"/>
+              <a:t>Screenshot of offer section</a:t>
+            </a:r>
+            <a:endParaRPr sz="4000" b="1" dirty="0"/>
+          </a:p>
+        </p:txBody>
+      </p:sp>
+      <p:pic>
+        <p:nvPicPr>
+          <p:cNvPr id="8" name="Content Placeholder 7"/>
+          <p:cNvPicPr>
+            <a:picLocks noGrp="1" noChangeAspect="1"/>
+          </p:cNvPicPr>
+          <p:nvPr>
+            <p:ph idx="1"/>
+          </p:nvPr>
+        </p:nvPicPr>
+        <p:blipFill>
+          <a:blip r:embed="rId2">
+            <a:extLst>
+              <a:ext uri="{28A0092B-C50C-407E-A947-70E740481C1C}">
+                <a14:useLocalDpi xmlns:a14="http://schemas.microsoft.com/office/drawing/2010/main" val="0"/>
+              </a:ext>
+            </a:extLst>
+          </a:blip>
+          <a:stretch>
+            <a:fillRect/>
+          </a:stretch>
+        </p:blipFill>
+        <p:spPr>
+          <a:xfrm>
+            <a:off x="1934869" y="1462177"/>
+            <a:ext cx="4120875" cy="2298940"/>
+          </a:xfrm>
+        </p:spPr>
+      </p:pic>
+      <p:pic>
+        <p:nvPicPr>
+          <p:cNvPr id="4" name="Picture 3"/>
+          <p:cNvPicPr>
+            <a:picLocks noChangeAspect="1"/>
+          </p:cNvPicPr>
+          <p:nvPr/>
+        </p:nvPicPr>
+        <p:blipFill>
+          <a:blip r:embed="rId3" cstate="print">
+            <a:extLst>
+              <a:ext uri="{28A0092B-C50C-407E-A947-70E740481C1C}">
+                <a14:useLocalDpi xmlns:a14="http://schemas.microsoft.com/office/drawing/2010/main" val="0"/>
+              </a:ext>
+            </a:extLst>
+          </a:blip>
+          <a:stretch>
+            <a:fillRect/>
+          </a:stretch>
+        </p:blipFill>
+        <p:spPr>
+          <a:xfrm>
+            <a:off x="6743700" y="88900"/>
+            <a:ext cx="2260600" cy="482600"/>
+          </a:xfrm>
+          <a:prstGeom prst="rect">
+            <a:avLst/>
+          </a:prstGeom>
+        </p:spPr>
+      </p:pic>
+      <p:cxnSp>
+        <p:nvCxnSpPr>
+          <p:cNvPr id="5" name="Straight Connector 4"/>
+          <p:cNvCxnSpPr/>
+          <p:nvPr/>
+        </p:nvCxnSpPr>
+        <p:spPr>
+          <a:xfrm flipV="1">
+            <a:off x="145576" y="698636"/>
+            <a:ext cx="8912860" cy="1"/>
+          </a:xfrm>
+          <a:prstGeom prst="line">
+            <a:avLst/>
+          </a:prstGeom>
+        </p:spPr>
+        <p:style>
+          <a:lnRef idx="3">
+            <a:schemeClr val="dk1"/>
+          </a:lnRef>
+          <a:fillRef idx="0">
+            <a:schemeClr val="dk1"/>
+          </a:fillRef>
+          <a:effectRef idx="2">
+            <a:schemeClr val="dk1"/>
+          </a:effectRef>
+          <a:fontRef idx="minor">
+            <a:schemeClr val="tx1"/>
+          </a:fontRef>
+        </p:style>
+      </p:cxnSp>
+      <p:pic>
+        <p:nvPicPr>
+          <p:cNvPr id="9" name="Picture 8"/>
+          <p:cNvPicPr>
+            <a:picLocks noChangeAspect="1"/>
+          </p:cNvPicPr>
+          <p:nvPr/>
+        </p:nvPicPr>
+        <p:blipFill>
+          <a:blip r:embed="rId4">
+            <a:extLst>
+              <a:ext uri="{28A0092B-C50C-407E-A947-70E740481C1C}">
+                <a14:useLocalDpi xmlns:a14="http://schemas.microsoft.com/office/drawing/2010/main" val="0"/>
+              </a:ext>
+            </a:extLst>
+          </a:blip>
+          <a:stretch>
+            <a:fillRect/>
+          </a:stretch>
+        </p:blipFill>
+        <p:spPr>
+          <a:xfrm>
+            <a:off x="145576" y="4011737"/>
+            <a:ext cx="8912860" cy="2699614"/>
+          </a:xfrm>
+          <a:prstGeom prst="rect">
+            <a:avLst/>
+          </a:prstGeom>
+        </p:spPr>
+      </p:pic>
+    </p:spTree>
+    <p:extLst>
+      <p:ext uri="{BB962C8B-B14F-4D97-AF65-F5344CB8AC3E}">
+        <p14:creationId xmlns:p14="http://schemas.microsoft.com/office/powerpoint/2010/main" val="425012047"/>
+      </p:ext>
+    </p:extLst>
+  </p:cSld>
+  <p:clrMapOvr>
+    <a:masterClrMapping/>
+  </p:clrMapOvr>
+</p:sld>
+</file>
+
+<file path=ppt/slides/slide15.xml><?xml version="1.0" encoding="utf-8"?>
+<p:sld xmlns:a="http://schemas.openxmlformats.org/drawingml/2006/main" xmlns:r="http://schemas.openxmlformats.org/officeDocument/2006/relationships" xmlns:p="http://schemas.openxmlformats.org/presentationml/2006/main">
+  <p:cSld>
+    <p:spTree>
+      <p:nvGrpSpPr>
+        <p:cNvPr id="1" name=""/>
+        <p:cNvGrpSpPr/>
+        <p:nvPr/>
+      </p:nvGrpSpPr>
+      <p:grpSpPr>
+        <a:xfrm>
+          <a:off x="0" y="0"/>
+          <a:ext cx="0" cy="0"/>
+          <a:chOff x="0" y="0"/>
+          <a:chExt cx="0" cy="0"/>
+        </a:xfrm>
+      </p:grpSpPr>
+      <p:pic>
+        <p:nvPicPr>
+          <p:cNvPr id="6" name="Content Placeholder 5"/>
+          <p:cNvPicPr>
+            <a:picLocks noGrp="1" noChangeAspect="1"/>
+          </p:cNvPicPr>
+          <p:nvPr>
+            <p:ph idx="4294967295"/>
+          </p:nvPr>
+        </p:nvPicPr>
+        <p:blipFill>
+          <a:blip r:embed="rId2">
+            <a:extLst>
+              <a:ext uri="{28A0092B-C50C-407E-A947-70E740481C1C}">
+                <a14:useLocalDpi xmlns:a14="http://schemas.microsoft.com/office/drawing/2010/main" val="0"/>
+              </a:ext>
+            </a:extLst>
+          </a:blip>
+          <a:stretch>
+            <a:fillRect/>
+          </a:stretch>
+        </p:blipFill>
+        <p:spPr>
+          <a:xfrm>
+            <a:off x="1052424" y="571500"/>
+            <a:ext cx="6228270" cy="1484520"/>
+          </a:xfrm>
+        </p:spPr>
+      </p:pic>
+      <p:pic>
+        <p:nvPicPr>
+          <p:cNvPr id="4" name="Picture 3"/>
+          <p:cNvPicPr>
+            <a:picLocks noChangeAspect="1"/>
+          </p:cNvPicPr>
+          <p:nvPr/>
+        </p:nvPicPr>
+        <p:blipFill>
+          <a:blip r:embed="rId3" cstate="print">
+            <a:extLst>
+              <a:ext uri="{28A0092B-C50C-407E-A947-70E740481C1C}">
+                <a14:useLocalDpi xmlns:a14="http://schemas.microsoft.com/office/drawing/2010/main" val="0"/>
+              </a:ext>
+            </a:extLst>
+          </a:blip>
+          <a:stretch>
+            <a:fillRect/>
+          </a:stretch>
+        </p:blipFill>
+        <p:spPr>
+          <a:xfrm>
+            <a:off x="6743700" y="88900"/>
+            <a:ext cx="2260600" cy="482600"/>
+          </a:xfrm>
+          <a:prstGeom prst="rect">
+            <a:avLst/>
+          </a:prstGeom>
+        </p:spPr>
+      </p:pic>
+      <p:cxnSp>
+        <p:nvCxnSpPr>
+          <p:cNvPr id="5" name="Straight Connector 4"/>
+          <p:cNvCxnSpPr/>
+          <p:nvPr/>
+        </p:nvCxnSpPr>
+        <p:spPr>
+          <a:xfrm flipV="1">
+            <a:off x="145576" y="698636"/>
+            <a:ext cx="8912860" cy="1"/>
+          </a:xfrm>
+          <a:prstGeom prst="line">
+            <a:avLst/>
+          </a:prstGeom>
+        </p:spPr>
+        <p:style>
+          <a:lnRef idx="3">
+            <a:schemeClr val="dk1"/>
+          </a:lnRef>
+          <a:fillRef idx="0">
+            <a:schemeClr val="dk1"/>
+          </a:fillRef>
+          <a:effectRef idx="2">
+            <a:schemeClr val="dk1"/>
+          </a:effectRef>
+          <a:fontRef idx="minor">
+            <a:schemeClr val="tx1"/>
+          </a:fontRef>
+        </p:style>
+      </p:cxnSp>
+      <p:pic>
+        <p:nvPicPr>
+          <p:cNvPr id="7" name="Picture 6"/>
+          <p:cNvPicPr>
+            <a:picLocks noChangeAspect="1"/>
+          </p:cNvPicPr>
+          <p:nvPr/>
+        </p:nvPicPr>
+        <p:blipFill>
+          <a:blip r:embed="rId4">
+            <a:extLst>
+              <a:ext uri="{28A0092B-C50C-407E-A947-70E740481C1C}">
+                <a14:useLocalDpi xmlns:a14="http://schemas.microsoft.com/office/drawing/2010/main" val="0"/>
+              </a:ext>
+            </a:extLst>
+          </a:blip>
+          <a:stretch>
+            <a:fillRect/>
+          </a:stretch>
+        </p:blipFill>
+        <p:spPr>
+          <a:xfrm>
+            <a:off x="1311215" y="2183156"/>
+            <a:ext cx="5969479" cy="3958852"/>
+          </a:xfrm>
+          <a:prstGeom prst="rect">
+            <a:avLst/>
+          </a:prstGeom>
+        </p:spPr>
+      </p:pic>
+    </p:spTree>
+    <p:extLst>
+      <p:ext uri="{BB962C8B-B14F-4D97-AF65-F5344CB8AC3E}">
+        <p14:creationId xmlns:p14="http://schemas.microsoft.com/office/powerpoint/2010/main" val="434073467"/>
+      </p:ext>
+    </p:extLst>
+  </p:cSld>
+  <p:clrMapOvr>
+    <a:masterClrMapping/>
+  </p:clrMapOvr>
+</p:sld>
+</file>
+
+<file path=ppt/slides/slide16.xml><?xml version="1.0" encoding="utf-8"?>
+<p:sld xmlns:a="http://schemas.openxmlformats.org/drawingml/2006/main" xmlns:r="http://schemas.openxmlformats.org/officeDocument/2006/relationships" xmlns:p="http://schemas.openxmlformats.org/presentationml/2006/main">
+  <p:cSld>
+    <p:spTree>
+      <p:nvGrpSpPr>
+        <p:cNvPr id="1" name=""/>
+        <p:cNvGrpSpPr/>
+        <p:nvPr/>
+      </p:nvGrpSpPr>
+      <p:grpSpPr>
+        <a:xfrm>
+          <a:off x="0" y="0"/>
+          <a:ext cx="0" cy="0"/>
+          <a:chOff x="0" y="0"/>
+          <a:chExt cx="0" cy="0"/>
+        </a:xfrm>
+      </p:grpSpPr>
+      <p:pic>
+        <p:nvPicPr>
+          <p:cNvPr id="4" name="Picture 3"/>
+          <p:cNvPicPr>
+            <a:picLocks noChangeAspect="1"/>
+          </p:cNvPicPr>
+          <p:nvPr/>
+        </p:nvPicPr>
+        <p:blipFill>
+          <a:blip r:embed="rId2" cstate="print">
+            <a:extLst>
+              <a:ext uri="{28A0092B-C50C-407E-A947-70E740481C1C}">
+                <a14:useLocalDpi xmlns:a14="http://schemas.microsoft.com/office/drawing/2010/main" val="0"/>
+              </a:ext>
+            </a:extLst>
+          </a:blip>
+          <a:stretch>
+            <a:fillRect/>
+          </a:stretch>
+        </p:blipFill>
+        <p:spPr>
+          <a:xfrm>
+            <a:off x="6743700" y="88900"/>
+            <a:ext cx="2260600" cy="482600"/>
+          </a:xfrm>
+          <a:prstGeom prst="rect">
+            <a:avLst/>
+          </a:prstGeom>
+        </p:spPr>
+      </p:pic>
+      <p:cxnSp>
+        <p:nvCxnSpPr>
+          <p:cNvPr id="5" name="Straight Connector 4"/>
+          <p:cNvCxnSpPr/>
+          <p:nvPr/>
+        </p:nvCxnSpPr>
+        <p:spPr>
+          <a:xfrm flipV="1">
+            <a:off x="145576" y="698636"/>
+            <a:ext cx="8912860" cy="1"/>
+          </a:xfrm>
+          <a:prstGeom prst="line">
+            <a:avLst/>
+          </a:prstGeom>
+        </p:spPr>
+        <p:style>
+          <a:lnRef idx="3">
+            <a:schemeClr val="dk1"/>
+          </a:lnRef>
+          <a:fillRef idx="0">
+            <a:schemeClr val="dk1"/>
+          </a:fillRef>
+          <a:effectRef idx="2">
+            <a:schemeClr val="dk1"/>
+          </a:effectRef>
+          <a:fontRef idx="minor">
+            <a:schemeClr val="tx1"/>
+          </a:fontRef>
+        </p:style>
+      </p:cxnSp>
+      <p:pic>
+        <p:nvPicPr>
+          <p:cNvPr id="2" name="Picture 1"/>
+          <p:cNvPicPr>
+            <a:picLocks noChangeAspect="1"/>
+          </p:cNvPicPr>
+          <p:nvPr/>
+        </p:nvPicPr>
+        <p:blipFill>
+          <a:blip r:embed="rId3">
+            <a:extLst>
+              <a:ext uri="{28A0092B-C50C-407E-A947-70E740481C1C}">
+                <a14:useLocalDpi xmlns:a14="http://schemas.microsoft.com/office/drawing/2010/main" val="0"/>
+              </a:ext>
+            </a:extLst>
+          </a:blip>
+          <a:stretch>
+            <a:fillRect/>
+          </a:stretch>
+        </p:blipFill>
+        <p:spPr>
+          <a:xfrm>
+            <a:off x="145576" y="1224950"/>
+            <a:ext cx="8687873" cy="4295955"/>
+          </a:xfrm>
+          <a:prstGeom prst="rect">
+            <a:avLst/>
+          </a:prstGeom>
+        </p:spPr>
+      </p:pic>
+    </p:spTree>
+    <p:extLst>
+      <p:ext uri="{BB962C8B-B14F-4D97-AF65-F5344CB8AC3E}">
+        <p14:creationId xmlns:p14="http://schemas.microsoft.com/office/powerpoint/2010/main" val="3756060223"/>
+      </p:ext>
+    </p:extLst>
+  </p:cSld>
+  <p:clrMapOvr>
+    <a:masterClrMapping/>
+  </p:clrMapOvr>
+</p:sld>
+</file>
+
+<file path=ppt/slides/slide17.xml><?xml version="1.0" encoding="utf-8"?>
+<p:sld xmlns:a="http://schemas.openxmlformats.org/drawingml/2006/main" xmlns:r="http://schemas.openxmlformats.org/officeDocument/2006/relationships" xmlns:p="http://schemas.openxmlformats.org/presentationml/2006/main">
+  <p:cSld>
+    <p:spTree>
+      <p:nvGrpSpPr>
+        <p:cNvPr id="1" name=""/>
+        <p:cNvGrpSpPr/>
+        <p:nvPr/>
+      </p:nvGrpSpPr>
+      <p:grpSpPr>
+        <a:xfrm>
+          <a:off x="0" y="0"/>
+          <a:ext cx="0" cy="0"/>
+          <a:chOff x="0" y="0"/>
+          <a:chExt cx="0" cy="0"/>
+        </a:xfrm>
+      </p:grpSpPr>
+      <p:sp>
+        <p:nvSpPr>
+          <p:cNvPr id="2" name="Title 1"/>
+          <p:cNvSpPr>
+            <a:spLocks noGrp="1"/>
+          </p:cNvSpPr>
+          <p:nvPr>
+            <p:ph type="title"/>
+          </p:nvPr>
+        </p:nvSpPr>
+        <p:spPr>
+          <a:xfrm>
+            <a:off x="50800" y="457200"/>
+            <a:ext cx="8229600" cy="1143000"/>
+          </a:xfrm>
+        </p:spPr>
+        <p:txBody>
+          <a:bodyPr>
+            <a:normAutofit/>
+          </a:bodyPr>
+          <a:lstStyle/>
+          <a:p>
+            <a:r>
+              <a:rPr lang="en-US" sz="4000" b="1" dirty="0"/>
+              <a:t>Contact Support</a:t>
+            </a:r>
+            <a:endParaRPr sz="4000" b="1" dirty="0"/>
+          </a:p>
+        </p:txBody>
+      </p:sp>
+      <p:sp>
+        <p:nvSpPr>
+          <p:cNvPr id="3" name="Content Placeholder 2"/>
+          <p:cNvSpPr>
+            <a:spLocks noGrp="1"/>
+          </p:cNvSpPr>
+          <p:nvPr>
+            <p:ph idx="1"/>
+          </p:nvPr>
+        </p:nvSpPr>
+        <p:spPr>
+          <a:xfrm>
+            <a:off x="648269" y="1412544"/>
+            <a:ext cx="8229600" cy="4525963"/>
+          </a:xfrm>
+        </p:spPr>
+        <p:txBody>
+          <a:bodyPr>
+            <a:normAutofit/>
+          </a:bodyPr>
+          <a:lstStyle/>
+          <a:p>
+            <a:pPr marL="0" indent="0">
+              <a:buNone/>
+            </a:pPr>
+            <a:r>
+              <a:rPr lang="en-US" sz="2000" dirty="0"/>
+              <a:t>For assistance with your orders or account:</a:t>
+            </a:r>
+          </a:p>
+          <a:p>
+            <a:endParaRPr lang="en-US" sz="2000" dirty="0"/>
+          </a:p>
+          <a:p>
+            <a:pPr marL="0" indent="0">
+              <a:buNone/>
+            </a:pPr>
+            <a:r>
+              <a:rPr lang="en-US" sz="2000" dirty="0"/>
+              <a:t>• </a:t>
+            </a:r>
+            <a:r>
+              <a:rPr lang="en-US" sz="2000" dirty="0"/>
+              <a:t>Email:everestphones@gmail.com</a:t>
+            </a:r>
+            <a:endParaRPr lang="en-US" sz="2000" dirty="0"/>
+          </a:p>
+          <a:p>
+            <a:pPr marL="0" indent="0">
+              <a:buNone/>
+            </a:pPr>
+            <a:r>
+              <a:rPr lang="en-US" sz="2000" dirty="0"/>
+              <a:t>• Phone: </a:t>
+            </a:r>
+            <a:r>
+              <a:rPr lang="en-US" sz="2000" dirty="0" smtClean="0"/>
+              <a:t>+1 781-325-6897</a:t>
+            </a:r>
+            <a:endParaRPr lang="en-US" sz="2000" dirty="0"/>
+          </a:p>
+          <a:p>
+            <a:endParaRPr lang="en-US" sz="2000" dirty="0"/>
+          </a:p>
+          <a:p>
+            <a:endParaRPr lang="en-US" sz="2000" dirty="0"/>
+          </a:p>
+          <a:p>
+            <a:pPr marL="0" indent="0" algn="just">
+              <a:buNone/>
+            </a:pPr>
+            <a:endParaRPr sz="1900" dirty="0"/>
+          </a:p>
+        </p:txBody>
+      </p:sp>
+      <p:pic>
+        <p:nvPicPr>
+          <p:cNvPr id="4" name="Picture 3"/>
+          <p:cNvPicPr>
+            <a:picLocks noChangeAspect="1"/>
+          </p:cNvPicPr>
+          <p:nvPr/>
+        </p:nvPicPr>
+        <p:blipFill>
+          <a:blip r:embed="rId2" cstate="print">
+            <a:extLst>
+              <a:ext uri="{28A0092B-C50C-407E-A947-70E740481C1C}">
+                <a14:useLocalDpi xmlns:a14="http://schemas.microsoft.com/office/drawing/2010/main" val="0"/>
+              </a:ext>
+            </a:extLst>
+          </a:blip>
+          <a:stretch>
+            <a:fillRect/>
+          </a:stretch>
+        </p:blipFill>
+        <p:spPr>
+          <a:xfrm>
+            <a:off x="6743700" y="88900"/>
+            <a:ext cx="2260600" cy="482600"/>
+          </a:xfrm>
+          <a:prstGeom prst="rect">
+            <a:avLst/>
+          </a:prstGeom>
+        </p:spPr>
+      </p:pic>
+      <p:cxnSp>
+        <p:nvCxnSpPr>
+          <p:cNvPr id="5" name="Straight Connector 4"/>
+          <p:cNvCxnSpPr/>
+          <p:nvPr/>
+        </p:nvCxnSpPr>
+        <p:spPr>
+          <a:xfrm flipV="1">
+            <a:off x="145576" y="698636"/>
+            <a:ext cx="8912860" cy="1"/>
+          </a:xfrm>
+          <a:prstGeom prst="line">
+            <a:avLst/>
+          </a:prstGeom>
+        </p:spPr>
+        <p:style>
+          <a:lnRef idx="3">
+            <a:schemeClr val="dk1"/>
+          </a:lnRef>
+          <a:fillRef idx="0">
+            <a:schemeClr val="dk1"/>
+          </a:fillRef>
+          <a:effectRef idx="2">
+            <a:schemeClr val="dk1"/>
+          </a:effectRef>
+          <a:fontRef idx="minor">
+            <a:schemeClr val="tx1"/>
+          </a:fontRef>
+        </p:style>
+      </p:cxnSp>
+    </p:spTree>
+    <p:extLst>
+      <p:ext uri="{BB962C8B-B14F-4D97-AF65-F5344CB8AC3E}">
+        <p14:creationId xmlns:p14="http://schemas.microsoft.com/office/powerpoint/2010/main" val="2679512825"/>
       </p:ext>
     </p:extLst>
   </p:cSld>

--- a/Everest_Phones_Final_Presentation.pptx
+++ b/Everest_Phones_Final_Presentation.pptx
@@ -5,26 +5,29 @@
     <p:sldMasterId id="2147483648" r:id="rId1"/>
   </p:sldMasterIdLst>
   <p:notesMasterIdLst>
-    <p:notesMasterId r:id="rId19"/>
+    <p:notesMasterId r:id="rId22"/>
   </p:notesMasterIdLst>
   <p:sldIdLst>
     <p:sldId id="256" r:id="rId2"/>
-    <p:sldId id="257" r:id="rId3"/>
-    <p:sldId id="266" r:id="rId4"/>
-    <p:sldId id="267" r:id="rId5"/>
-    <p:sldId id="268" r:id="rId6"/>
-    <p:sldId id="269" r:id="rId7"/>
-    <p:sldId id="270" r:id="rId8"/>
-    <p:sldId id="271" r:id="rId9"/>
-    <p:sldId id="272" r:id="rId10"/>
-    <p:sldId id="274" r:id="rId11"/>
-    <p:sldId id="275" r:id="rId12"/>
-    <p:sldId id="276" r:id="rId13"/>
-    <p:sldId id="273" r:id="rId14"/>
-    <p:sldId id="278" r:id="rId15"/>
-    <p:sldId id="277" r:id="rId16"/>
-    <p:sldId id="280" r:id="rId17"/>
-    <p:sldId id="279" r:id="rId18"/>
+    <p:sldId id="284" r:id="rId3"/>
+    <p:sldId id="285" r:id="rId4"/>
+    <p:sldId id="283" r:id="rId5"/>
+    <p:sldId id="266" r:id="rId6"/>
+    <p:sldId id="267" r:id="rId7"/>
+    <p:sldId id="268" r:id="rId8"/>
+    <p:sldId id="269" r:id="rId9"/>
+    <p:sldId id="270" r:id="rId10"/>
+    <p:sldId id="271" r:id="rId11"/>
+    <p:sldId id="272" r:id="rId12"/>
+    <p:sldId id="274" r:id="rId13"/>
+    <p:sldId id="275" r:id="rId14"/>
+    <p:sldId id="276" r:id="rId15"/>
+    <p:sldId id="273" r:id="rId16"/>
+    <p:sldId id="278" r:id="rId17"/>
+    <p:sldId id="277" r:id="rId18"/>
+    <p:sldId id="280" r:id="rId19"/>
+    <p:sldId id="279" r:id="rId20"/>
+    <p:sldId id="282" r:id="rId21"/>
   </p:sldIdLst>
   <p:sldSz cx="9144000" cy="6858000" type="screen4x3"/>
   <p:notesSz cx="6858000" cy="9144000"/>
@@ -224,7 +227,7 @@
           <a:p>
             <a:fld id="{EEF77E8F-D920-46AC-87E3-FF888FA0C34C}" type="datetimeFigureOut">
               <a:rPr lang="en-US" smtClean="0"/>
-              <a:t>9/21/2024</a:t>
+              <a:t>9/22/2024</a:t>
             </a:fld>
             <a:endParaRPr lang="en-US"/>
           </a:p>
@@ -557,7 +560,7 @@
           <a:p>
             <a:fld id="{CD1A0318-EAAA-4840-B913-E8071F77D32F}" type="slidenum">
               <a:rPr lang="en-US" smtClean="0"/>
-              <a:t>4</a:t>
+              <a:t>6</a:t>
             </a:fld>
             <a:endParaRPr lang="en-US"/>
           </a:p>
@@ -757,7 +760,7 @@
           <a:p>
             <a:fld id="{5BCAD085-E8A6-8845-BD4E-CB4CCA059FC4}" type="datetimeFigureOut">
               <a:rPr lang="en-US" smtClean="0"/>
-              <a:t>9/21/2024</a:t>
+              <a:t>9/22/2024</a:t>
             </a:fld>
             <a:endParaRPr lang="en-US"/>
           </a:p>
@@ -927,7 +930,7 @@
           <a:p>
             <a:fld id="{5BCAD085-E8A6-8845-BD4E-CB4CCA059FC4}" type="datetimeFigureOut">
               <a:rPr lang="en-US" smtClean="0"/>
-              <a:t>9/21/2024</a:t>
+              <a:t>9/22/2024</a:t>
             </a:fld>
             <a:endParaRPr lang="en-US"/>
           </a:p>
@@ -1107,7 +1110,7 @@
           <a:p>
             <a:fld id="{5BCAD085-E8A6-8845-BD4E-CB4CCA059FC4}" type="datetimeFigureOut">
               <a:rPr lang="en-US" smtClean="0"/>
-              <a:t>9/21/2024</a:t>
+              <a:t>9/22/2024</a:t>
             </a:fld>
             <a:endParaRPr lang="en-US"/>
           </a:p>
@@ -1277,7 +1280,7 @@
           <a:p>
             <a:fld id="{5BCAD085-E8A6-8845-BD4E-CB4CCA059FC4}" type="datetimeFigureOut">
               <a:rPr lang="en-US" smtClean="0"/>
-              <a:t>9/21/2024</a:t>
+              <a:t>9/22/2024</a:t>
             </a:fld>
             <a:endParaRPr lang="en-US"/>
           </a:p>
@@ -1523,7 +1526,7 @@
           <a:p>
             <a:fld id="{5BCAD085-E8A6-8845-BD4E-CB4CCA059FC4}" type="datetimeFigureOut">
               <a:rPr lang="en-US" smtClean="0"/>
-              <a:t>9/21/2024</a:t>
+              <a:t>9/22/2024</a:t>
             </a:fld>
             <a:endParaRPr lang="en-US"/>
           </a:p>
@@ -1811,7 +1814,7 @@
           <a:p>
             <a:fld id="{5BCAD085-E8A6-8845-BD4E-CB4CCA059FC4}" type="datetimeFigureOut">
               <a:rPr lang="en-US" smtClean="0"/>
-              <a:t>9/21/2024</a:t>
+              <a:t>9/22/2024</a:t>
             </a:fld>
             <a:endParaRPr lang="en-US"/>
           </a:p>
@@ -2233,7 +2236,7 @@
           <a:p>
             <a:fld id="{5BCAD085-E8A6-8845-BD4E-CB4CCA059FC4}" type="datetimeFigureOut">
               <a:rPr lang="en-US" smtClean="0"/>
-              <a:t>9/21/2024</a:t>
+              <a:t>9/22/2024</a:t>
             </a:fld>
             <a:endParaRPr lang="en-US"/>
           </a:p>
@@ -2351,7 +2354,7 @@
           <a:p>
             <a:fld id="{5BCAD085-E8A6-8845-BD4E-CB4CCA059FC4}" type="datetimeFigureOut">
               <a:rPr lang="en-US" smtClean="0"/>
-              <a:t>9/21/2024</a:t>
+              <a:t>9/22/2024</a:t>
             </a:fld>
             <a:endParaRPr lang="en-US"/>
           </a:p>
@@ -2446,7 +2449,7 @@
           <a:p>
             <a:fld id="{5BCAD085-E8A6-8845-BD4E-CB4CCA059FC4}" type="datetimeFigureOut">
               <a:rPr lang="en-US" smtClean="0"/>
-              <a:t>9/21/2024</a:t>
+              <a:t>9/22/2024</a:t>
             </a:fld>
             <a:endParaRPr lang="en-US"/>
           </a:p>
@@ -2723,7 +2726,7 @@
           <a:p>
             <a:fld id="{5BCAD085-E8A6-8845-BD4E-CB4CCA059FC4}" type="datetimeFigureOut">
               <a:rPr lang="en-US" smtClean="0"/>
-              <a:t>9/21/2024</a:t>
+              <a:t>9/22/2024</a:t>
             </a:fld>
             <a:endParaRPr lang="en-US"/>
           </a:p>
@@ -2976,7 +2979,7 @@
           <a:p>
             <a:fld id="{5BCAD085-E8A6-8845-BD4E-CB4CCA059FC4}" type="datetimeFigureOut">
               <a:rPr lang="en-US" smtClean="0"/>
-              <a:t>9/21/2024</a:t>
+              <a:t>9/22/2024</a:t>
             </a:fld>
             <a:endParaRPr lang="en-US"/>
           </a:p>
@@ -3189,7 +3192,7 @@
           <a:p>
             <a:fld id="{5BCAD085-E8A6-8845-BD4E-CB4CCA059FC4}" type="datetimeFigureOut">
               <a:rPr lang="en-US" smtClean="0"/>
-              <a:t>9/21/2024</a:t>
+              <a:t>9/22/2024</a:t>
             </a:fld>
             <a:endParaRPr lang="en-US"/>
           </a:p>
@@ -3663,10 +3666,472 @@
   <p:clrMapOvr>
     <a:masterClrMapping/>
   </p:clrMapOvr>
+  <p:timing>
+    <p:tnLst>
+      <p:par>
+        <p:cTn id="1" dur="indefinite" restart="never" nodeType="tmRoot"/>
+      </p:par>
+    </p:tnLst>
+  </p:timing>
 </p:sld>
 </file>
 
 <file path=ppt/slides/slide10.xml><?xml version="1.0" encoding="utf-8"?>
+<p:sld xmlns:a="http://schemas.openxmlformats.org/drawingml/2006/main" xmlns:r="http://schemas.openxmlformats.org/officeDocument/2006/relationships" xmlns:p="http://schemas.openxmlformats.org/presentationml/2006/main">
+  <p:cSld>
+    <p:spTree>
+      <p:nvGrpSpPr>
+        <p:cNvPr id="1" name=""/>
+        <p:cNvGrpSpPr/>
+        <p:nvPr/>
+      </p:nvGrpSpPr>
+      <p:grpSpPr>
+        <a:xfrm>
+          <a:off x="0" y="0"/>
+          <a:ext cx="0" cy="0"/>
+          <a:chOff x="0" y="0"/>
+          <a:chExt cx="0" cy="0"/>
+        </a:xfrm>
+      </p:grpSpPr>
+      <p:sp>
+        <p:nvSpPr>
+          <p:cNvPr id="2" name="Title 1"/>
+          <p:cNvSpPr>
+            <a:spLocks noGrp="1"/>
+          </p:cNvSpPr>
+          <p:nvPr>
+            <p:ph type="title"/>
+          </p:nvPr>
+        </p:nvSpPr>
+        <p:spPr>
+          <a:xfrm>
+            <a:off x="364699" y="698637"/>
+            <a:ext cx="8229600" cy="1143000"/>
+          </a:xfrm>
+        </p:spPr>
+        <p:txBody>
+          <a:bodyPr>
+            <a:normAutofit/>
+          </a:bodyPr>
+          <a:lstStyle/>
+          <a:p>
+            <a:r>
+              <a:rPr lang="en-US" sz="3400" b="1" dirty="0"/>
+              <a:t>Step 7 - Payment Details (Bank Transfer &amp; Zelle)</a:t>
+            </a:r>
+            <a:endParaRPr sz="3400" b="1" dirty="0"/>
+          </a:p>
+        </p:txBody>
+      </p:sp>
+      <p:sp>
+        <p:nvSpPr>
+          <p:cNvPr id="3" name="Content Placeholder 2"/>
+          <p:cNvSpPr>
+            <a:spLocks noGrp="1"/>
+          </p:cNvSpPr>
+          <p:nvPr>
+            <p:ph idx="1"/>
+          </p:nvPr>
+        </p:nvSpPr>
+        <p:spPr>
+          <a:xfrm>
+            <a:off x="487206" y="1862109"/>
+            <a:ext cx="8229600" cy="4525963"/>
+          </a:xfrm>
+        </p:spPr>
+        <p:txBody>
+          <a:bodyPr>
+            <a:normAutofit/>
+          </a:bodyPr>
+          <a:lstStyle/>
+          <a:p>
+            <a:pPr marL="0" indent="0">
+              <a:buNone/>
+            </a:pPr>
+            <a:r>
+              <a:rPr lang="en-US" sz="1800" dirty="0"/>
+              <a:t>To complete your purchase, use the following payment methods:</a:t>
+            </a:r>
+          </a:p>
+          <a:p>
+            <a:endParaRPr lang="en-US" sz="1800" dirty="0"/>
+          </a:p>
+          <a:p>
+            <a:pPr marL="0" indent="0">
+              <a:buNone/>
+            </a:pPr>
+            <a:r>
+              <a:rPr lang="en-US" sz="1800" dirty="0"/>
+              <a:t>**</a:t>
+            </a:r>
+            <a:r>
+              <a:rPr lang="en-US" sz="1800" b="1" dirty="0">
+                <a:solidFill>
+                  <a:srgbClr val="FF0000"/>
+                </a:solidFill>
+              </a:rPr>
+              <a:t>Bank Wire Transfer</a:t>
+            </a:r>
+            <a:r>
+              <a:rPr lang="en-US" sz="1800" dirty="0"/>
+              <a:t>**:</a:t>
+            </a:r>
+          </a:p>
+          <a:p>
+            <a:pPr marL="0" indent="0">
+              <a:buNone/>
+            </a:pPr>
+            <a:r>
+              <a:rPr lang="en-US" sz="1800" dirty="0"/>
+              <a:t>• Bank Name: Bank of America</a:t>
+            </a:r>
+          </a:p>
+          <a:p>
+            <a:pPr marL="0" indent="0">
+              <a:buNone/>
+            </a:pPr>
+            <a:r>
+              <a:rPr lang="en-US" sz="1800" dirty="0"/>
+              <a:t>• Account Name: Everest Phone LLC</a:t>
+            </a:r>
+          </a:p>
+          <a:p>
+            <a:pPr marL="0" indent="0">
+              <a:buNone/>
+            </a:pPr>
+            <a:r>
+              <a:rPr lang="en-US" sz="1800" dirty="0"/>
+              <a:t>• ABA Routing Number (Wire): 026009593</a:t>
+            </a:r>
+          </a:p>
+          <a:p>
+            <a:pPr marL="0" indent="0">
+              <a:buNone/>
+            </a:pPr>
+            <a:r>
+              <a:rPr lang="en-US" sz="1800" dirty="0"/>
+              <a:t>• ABA Routing Number (Electronic): 053000196</a:t>
+            </a:r>
+          </a:p>
+          <a:p>
+            <a:pPr marL="0" indent="0">
+              <a:buNone/>
+            </a:pPr>
+            <a:r>
+              <a:rPr lang="en-US" sz="1800" dirty="0"/>
+              <a:t>• Account Number: 237036339301</a:t>
+            </a:r>
+          </a:p>
+          <a:p>
+            <a:endParaRPr lang="en-US" sz="1800" dirty="0"/>
+          </a:p>
+          <a:p>
+            <a:pPr marL="0" indent="0">
+              <a:buNone/>
+            </a:pPr>
+            <a:r>
+              <a:rPr lang="en-US" sz="1800" dirty="0"/>
+              <a:t>**</a:t>
+            </a:r>
+            <a:r>
+              <a:rPr lang="en-US" sz="1800" b="1" dirty="0">
+                <a:solidFill>
+                  <a:srgbClr val="FF0000"/>
+                </a:solidFill>
+              </a:rPr>
+              <a:t>Zelle</a:t>
+            </a:r>
+            <a:r>
+              <a:rPr lang="en-US" sz="1800" dirty="0"/>
+              <a:t>**: everestphones@gmail.com</a:t>
+            </a:r>
+          </a:p>
+          <a:p>
+            <a:endParaRPr lang="en-US" sz="1800" dirty="0"/>
+          </a:p>
+          <a:p>
+            <a:pPr marL="0" indent="0" algn="just">
+              <a:buNone/>
+            </a:pPr>
+            <a:endParaRPr sz="1800" dirty="0"/>
+          </a:p>
+        </p:txBody>
+      </p:sp>
+      <p:pic>
+        <p:nvPicPr>
+          <p:cNvPr id="4" name="Picture 3"/>
+          <p:cNvPicPr>
+            <a:picLocks noChangeAspect="1"/>
+          </p:cNvPicPr>
+          <p:nvPr/>
+        </p:nvPicPr>
+        <p:blipFill>
+          <a:blip r:embed="rId2" cstate="print">
+            <a:extLst>
+              <a:ext uri="{28A0092B-C50C-407E-A947-70E740481C1C}">
+                <a14:useLocalDpi xmlns:a14="http://schemas.microsoft.com/office/drawing/2010/main" val="0"/>
+              </a:ext>
+            </a:extLst>
+          </a:blip>
+          <a:stretch>
+            <a:fillRect/>
+          </a:stretch>
+        </p:blipFill>
+        <p:spPr>
+          <a:xfrm>
+            <a:off x="6743700" y="88900"/>
+            <a:ext cx="2260600" cy="482600"/>
+          </a:xfrm>
+          <a:prstGeom prst="rect">
+            <a:avLst/>
+          </a:prstGeom>
+        </p:spPr>
+      </p:pic>
+      <p:cxnSp>
+        <p:nvCxnSpPr>
+          <p:cNvPr id="5" name="Straight Connector 4"/>
+          <p:cNvCxnSpPr/>
+          <p:nvPr/>
+        </p:nvCxnSpPr>
+        <p:spPr>
+          <a:xfrm flipV="1">
+            <a:off x="145576" y="698636"/>
+            <a:ext cx="8912860" cy="1"/>
+          </a:xfrm>
+          <a:prstGeom prst="line">
+            <a:avLst/>
+          </a:prstGeom>
+        </p:spPr>
+        <p:style>
+          <a:lnRef idx="3">
+            <a:schemeClr val="dk1"/>
+          </a:lnRef>
+          <a:fillRef idx="0">
+            <a:schemeClr val="dk1"/>
+          </a:fillRef>
+          <a:effectRef idx="2">
+            <a:schemeClr val="dk1"/>
+          </a:effectRef>
+          <a:fontRef idx="minor">
+            <a:schemeClr val="tx1"/>
+          </a:fontRef>
+        </p:style>
+      </p:cxnSp>
+    </p:spTree>
+    <p:extLst>
+      <p:ext uri="{BB962C8B-B14F-4D97-AF65-F5344CB8AC3E}">
+        <p14:creationId xmlns:p14="http://schemas.microsoft.com/office/powerpoint/2010/main" val="677131465"/>
+      </p:ext>
+    </p:extLst>
+  </p:cSld>
+  <p:clrMapOvr>
+    <a:masterClrMapping/>
+  </p:clrMapOvr>
+</p:sld>
+</file>
+
+<file path=ppt/slides/slide11.xml><?xml version="1.0" encoding="utf-8"?>
+<p:sld xmlns:a="http://schemas.openxmlformats.org/drawingml/2006/main" xmlns:r="http://schemas.openxmlformats.org/officeDocument/2006/relationships" xmlns:p="http://schemas.openxmlformats.org/presentationml/2006/main">
+  <p:cSld>
+    <p:spTree>
+      <p:nvGrpSpPr>
+        <p:cNvPr id="1" name=""/>
+        <p:cNvGrpSpPr/>
+        <p:nvPr/>
+      </p:nvGrpSpPr>
+      <p:grpSpPr>
+        <a:xfrm>
+          <a:off x="0" y="0"/>
+          <a:ext cx="0" cy="0"/>
+          <a:chOff x="0" y="0"/>
+          <a:chExt cx="0" cy="0"/>
+        </a:xfrm>
+      </p:grpSpPr>
+      <p:sp>
+        <p:nvSpPr>
+          <p:cNvPr id="2" name="Title 1"/>
+          <p:cNvSpPr>
+            <a:spLocks noGrp="1"/>
+          </p:cNvSpPr>
+          <p:nvPr>
+            <p:ph type="title"/>
+          </p:nvPr>
+        </p:nvSpPr>
+        <p:spPr>
+          <a:xfrm>
+            <a:off x="50800" y="457200"/>
+            <a:ext cx="8229600" cy="1143000"/>
+          </a:xfrm>
+        </p:spPr>
+        <p:txBody>
+          <a:bodyPr>
+            <a:normAutofit fontScale="90000"/>
+          </a:bodyPr>
+          <a:lstStyle/>
+          <a:p>
+            <a:r>
+              <a:rPr lang="en-US" sz="4000" b="1" dirty="0"/>
+              <a:t>Step 8 - Order Confirmation and Tracking</a:t>
+            </a:r>
+            <a:endParaRPr sz="4000" b="1" dirty="0"/>
+          </a:p>
+        </p:txBody>
+      </p:sp>
+      <p:sp>
+        <p:nvSpPr>
+          <p:cNvPr id="3" name="Content Placeholder 2"/>
+          <p:cNvSpPr>
+            <a:spLocks noGrp="1"/>
+          </p:cNvSpPr>
+          <p:nvPr>
+            <p:ph idx="1"/>
+          </p:nvPr>
+        </p:nvSpPr>
+        <p:spPr>
+          <a:xfrm>
+            <a:off x="648269" y="1412544"/>
+            <a:ext cx="8229600" cy="4525963"/>
+          </a:xfrm>
+        </p:spPr>
+        <p:txBody>
+          <a:bodyPr>
+            <a:normAutofit/>
+          </a:bodyPr>
+          <a:lstStyle/>
+          <a:p>
+            <a:pPr marL="0" indent="0">
+              <a:buNone/>
+            </a:pPr>
+            <a:r>
+              <a:rPr lang="en-US" sz="1900" dirty="0"/>
+              <a:t>• After completing the payment, you will receive an order confirmation via email</a:t>
+            </a:r>
+          </a:p>
+          <a:p>
+            <a:pPr marL="0" indent="0">
+              <a:buNone/>
+            </a:pPr>
+            <a:r>
+              <a:rPr lang="en-US" sz="1900" dirty="0"/>
+              <a:t>• You can track your shipment </a:t>
+            </a:r>
+            <a:r>
+              <a:rPr lang="en-US" sz="1900" dirty="0" smtClean="0"/>
+              <a:t>online</a:t>
+            </a:r>
+          </a:p>
+          <a:p>
+            <a:pPr marL="0" indent="0">
+              <a:buNone/>
+            </a:pPr>
+            <a:endParaRPr lang="en-US" sz="1900" dirty="0"/>
+          </a:p>
+          <a:p>
+            <a:pPr marL="0" indent="0">
+              <a:buNone/>
+            </a:pPr>
+            <a:endParaRPr lang="en-US" sz="1900" dirty="0"/>
+          </a:p>
+        </p:txBody>
+      </p:sp>
+      <p:pic>
+        <p:nvPicPr>
+          <p:cNvPr id="4" name="Picture 3"/>
+          <p:cNvPicPr>
+            <a:picLocks noChangeAspect="1"/>
+          </p:cNvPicPr>
+          <p:nvPr/>
+        </p:nvPicPr>
+        <p:blipFill>
+          <a:blip r:embed="rId2" cstate="print">
+            <a:extLst>
+              <a:ext uri="{28A0092B-C50C-407E-A947-70E740481C1C}">
+                <a14:useLocalDpi xmlns:a14="http://schemas.microsoft.com/office/drawing/2010/main" val="0"/>
+              </a:ext>
+            </a:extLst>
+          </a:blip>
+          <a:stretch>
+            <a:fillRect/>
+          </a:stretch>
+        </p:blipFill>
+        <p:spPr>
+          <a:xfrm>
+            <a:off x="6743700" y="88900"/>
+            <a:ext cx="2260600" cy="482600"/>
+          </a:xfrm>
+          <a:prstGeom prst="rect">
+            <a:avLst/>
+          </a:prstGeom>
+        </p:spPr>
+      </p:pic>
+      <p:cxnSp>
+        <p:nvCxnSpPr>
+          <p:cNvPr id="5" name="Straight Connector 4"/>
+          <p:cNvCxnSpPr/>
+          <p:nvPr/>
+        </p:nvCxnSpPr>
+        <p:spPr>
+          <a:xfrm flipV="1">
+            <a:off x="145576" y="698636"/>
+            <a:ext cx="8912860" cy="1"/>
+          </a:xfrm>
+          <a:prstGeom prst="line">
+            <a:avLst/>
+          </a:prstGeom>
+        </p:spPr>
+        <p:style>
+          <a:lnRef idx="3">
+            <a:schemeClr val="dk1"/>
+          </a:lnRef>
+          <a:fillRef idx="0">
+            <a:schemeClr val="dk1"/>
+          </a:fillRef>
+          <a:effectRef idx="2">
+            <a:schemeClr val="dk1"/>
+          </a:effectRef>
+          <a:fontRef idx="minor">
+            <a:schemeClr val="tx1"/>
+          </a:fontRef>
+        </p:style>
+      </p:cxnSp>
+      <p:pic>
+        <p:nvPicPr>
+          <p:cNvPr id="6" name="Picture 5"/>
+          <p:cNvPicPr>
+            <a:picLocks noChangeAspect="1"/>
+          </p:cNvPicPr>
+          <p:nvPr/>
+        </p:nvPicPr>
+        <p:blipFill>
+          <a:blip r:embed="rId3"/>
+          <a:stretch>
+            <a:fillRect/>
+          </a:stretch>
+        </p:blipFill>
+        <p:spPr>
+          <a:xfrm>
+            <a:off x="684645" y="2438399"/>
+            <a:ext cx="7189355" cy="3810001"/>
+          </a:xfrm>
+          <a:prstGeom prst="rect">
+            <a:avLst/>
+          </a:prstGeom>
+        </p:spPr>
+      </p:pic>
+    </p:spTree>
+    <p:extLst>
+      <p:ext uri="{BB962C8B-B14F-4D97-AF65-F5344CB8AC3E}">
+        <p14:creationId xmlns:p14="http://schemas.microsoft.com/office/powerpoint/2010/main" val="92837821"/>
+      </p:ext>
+    </p:extLst>
+  </p:cSld>
+  <p:clrMapOvr>
+    <a:masterClrMapping/>
+  </p:clrMapOvr>
+</p:sld>
+</file>
+
+<file path=ppt/slides/slide12.xml><?xml version="1.0" encoding="utf-8"?>
 <p:sld xmlns:a="http://schemas.openxmlformats.org/drawingml/2006/main" xmlns:r="http://schemas.openxmlformats.org/officeDocument/2006/relationships" xmlns:p="http://schemas.openxmlformats.org/presentationml/2006/main">
   <p:cSld>
     <p:spTree>
@@ -3963,7 +4428,7 @@
 </p:sld>
 </file>
 
-<file path=ppt/slides/slide11.xml><?xml version="1.0" encoding="utf-8"?>
+<file path=ppt/slides/slide13.xml><?xml version="1.0" encoding="utf-8"?>
 <p:sld xmlns:a="http://schemas.openxmlformats.org/drawingml/2006/main" xmlns:r="http://schemas.openxmlformats.org/officeDocument/2006/relationships" xmlns:p="http://schemas.openxmlformats.org/presentationml/2006/main">
   <p:cSld>
     <p:spTree>
@@ -4142,7 +4607,7 @@
 </p:sld>
 </file>
 
-<file path=ppt/slides/slide12.xml><?xml version="1.0" encoding="utf-8"?>
+<file path=ppt/slides/slide14.xml><?xml version="1.0" encoding="utf-8"?>
 <p:sld xmlns:a="http://schemas.openxmlformats.org/drawingml/2006/main" xmlns:r="http://schemas.openxmlformats.org/officeDocument/2006/relationships" xmlns:p="http://schemas.openxmlformats.org/presentationml/2006/main">
   <p:cSld>
     <p:spTree>
@@ -4291,7 +4756,7 @@
 </p:sld>
 </file>
 
-<file path=ppt/slides/slide13.xml><?xml version="1.0" encoding="utf-8"?>
+<file path=ppt/slides/slide15.xml><?xml version="1.0" encoding="utf-8"?>
 <p:sld xmlns:a="http://schemas.openxmlformats.org/drawingml/2006/main" xmlns:r="http://schemas.openxmlformats.org/officeDocument/2006/relationships" xmlns:p="http://schemas.openxmlformats.org/presentationml/2006/main">
   <p:cSld>
     <p:spTree>
@@ -4630,7 +5095,7 @@
 </p:sld>
 </file>
 
-<file path=ppt/slides/slide14.xml><?xml version="1.0" encoding="utf-8"?>
+<file path=ppt/slides/slide16.xml><?xml version="1.0" encoding="utf-8"?>
 <p:sld xmlns:a="http://schemas.openxmlformats.org/drawingml/2006/main" xmlns:r="http://schemas.openxmlformats.org/officeDocument/2006/relationships" xmlns:p="http://schemas.openxmlformats.org/presentationml/2006/main">
   <p:cSld>
     <p:spTree>
@@ -4809,7 +5274,7 @@
 </p:sld>
 </file>
 
-<file path=ppt/slides/slide15.xml><?xml version="1.0" encoding="utf-8"?>
+<file path=ppt/slides/slide17.xml><?xml version="1.0" encoding="utf-8"?>
 <p:sld xmlns:a="http://schemas.openxmlformats.org/drawingml/2006/main" xmlns:r="http://schemas.openxmlformats.org/officeDocument/2006/relationships" xmlns:p="http://schemas.openxmlformats.org/presentationml/2006/main">
   <p:cSld>
     <p:spTree>
@@ -4958,7 +5423,7 @@
 </p:sld>
 </file>
 
-<file path=ppt/slides/slide16.xml><?xml version="1.0" encoding="utf-8"?>
+<file path=ppt/slides/slide18.xml><?xml version="1.0" encoding="utf-8"?>
 <p:sld xmlns:a="http://schemas.openxmlformats.org/drawingml/2006/main" xmlns:r="http://schemas.openxmlformats.org/officeDocument/2006/relationships" xmlns:p="http://schemas.openxmlformats.org/presentationml/2006/main">
   <p:cSld>
     <p:spTree>
@@ -5057,8 +5522,8 @@
         </p:blipFill>
         <p:spPr>
           <a:xfrm>
-            <a:off x="145576" y="1224950"/>
-            <a:ext cx="8687873" cy="4295955"/>
+            <a:off x="145576" y="1362972"/>
+            <a:ext cx="8858724" cy="3864635"/>
           </a:xfrm>
           <a:prstGeom prst="rect">
             <a:avLst/>
@@ -5078,7 +5543,7 @@
 </p:sld>
 </file>
 
-<file path=ppt/slides/slide17.xml><?xml version="1.0" encoding="utf-8"?>
+<file path=ppt/slides/slide19.xml><?xml version="1.0" encoding="utf-8"?>
 <p:sld xmlns:a="http://schemas.openxmlformats.org/drawingml/2006/main" xmlns:r="http://schemas.openxmlformats.org/officeDocument/2006/relationships" xmlns:p="http://schemas.openxmlformats.org/presentationml/2006/main">
   <p:cSld>
     <p:spTree>
@@ -5107,7 +5572,7 @@
         </p:nvSpPr>
         <p:spPr>
           <a:xfrm>
-            <a:off x="50800" y="457200"/>
+            <a:off x="303212" y="506770"/>
             <a:ext cx="8229600" cy="1143000"/>
           </a:xfrm>
         </p:spPr>
@@ -5118,10 +5583,10 @@
           <a:lstStyle/>
           <a:p>
             <a:r>
-              <a:rPr lang="en-US" sz="4000" b="1" dirty="0"/>
-              <a:t>Contact Support</a:t>
-            </a:r>
-            <a:endParaRPr sz="4000" b="1" dirty="0"/>
+              <a:rPr lang="en-US" sz="3200" b="1" dirty="0"/>
+              <a:t>Our Services: Tailored Solutions for Your Needs</a:t>
+            </a:r>
+            <a:endParaRPr sz="3200" b="1" dirty="0"/>
           </a:p>
         </p:txBody>
       </p:sp>
@@ -5137,8 +5602,8 @@
         </p:nvSpPr>
         <p:spPr>
           <a:xfrm>
-            <a:off x="648269" y="1412544"/>
-            <a:ext cx="8229600" cy="4525963"/>
+            <a:off x="303212" y="1649770"/>
+            <a:ext cx="8229600" cy="5126279"/>
           </a:xfrm>
         </p:spPr>
         <p:txBody>
@@ -5147,54 +5612,121 @@
           </a:bodyPr>
           <a:lstStyle/>
           <a:p>
-            <a:pPr marL="0" indent="0">
-              <a:buNone/>
+            <a:pPr>
+              <a:buFont typeface="+mj-lt"/>
+              <a:buAutoNum type="arabicPeriod"/>
             </a:pPr>
             <a:r>
-              <a:rPr lang="en-US" sz="2000" dirty="0"/>
-              <a:t>For assistance with your orders or account:</a:t>
-            </a:r>
-          </a:p>
-          <a:p>
-            <a:endParaRPr lang="en-US" sz="2000" dirty="0"/>
-          </a:p>
-          <a:p>
-            <a:pPr marL="0" indent="0">
-              <a:buNone/>
+              <a:rPr lang="en-US" sz="1900" b="1" dirty="0"/>
+              <a:t>Facebook Marketplace Posting</a:t>
+            </a:r>
+            <a:r>
+              <a:rPr lang="en-US" sz="1900" dirty="0"/>
+              <a:t>:</a:t>
+            </a:r>
+          </a:p>
+          <a:p>
+            <a:pPr lvl="1">
+              <a:buFont typeface="Wingdings" panose="05000000000000000000" pitchFamily="2" charset="2"/>
+              <a:buChar char="Ø"/>
             </a:pPr>
             <a:r>
-              <a:rPr lang="en-US" sz="2000" dirty="0"/>
-              <a:t>• </a:t>
-            </a:r>
-            <a:r>
-              <a:rPr lang="en-US" sz="2000" dirty="0"/>
-              <a:t>Email:everestphones@gmail.com</a:t>
-            </a:r>
-            <a:endParaRPr lang="en-US" sz="2000" dirty="0"/>
-          </a:p>
-          <a:p>
-            <a:pPr marL="0" indent="0">
-              <a:buNone/>
+              <a:rPr lang="en-US" sz="1900" dirty="0"/>
+              <a:t>We provide professional assistance in listing your products on </a:t>
+            </a:r>
+            <a:r>
+              <a:rPr lang="en-US" sz="1900" b="1" dirty="0"/>
+              <a:t>Facebook Marketplace</a:t>
+            </a:r>
+            <a:r>
+              <a:rPr lang="en-US" sz="1900" dirty="0"/>
+              <a:t>.</a:t>
+            </a:r>
+          </a:p>
+          <a:p>
+            <a:pPr lvl="1">
+              <a:buFont typeface="Wingdings" panose="05000000000000000000" pitchFamily="2" charset="2"/>
+              <a:buChar char="Ø"/>
             </a:pPr>
             <a:r>
-              <a:rPr lang="en-US" sz="2000" dirty="0"/>
-              <a:t>• Phone: </a:t>
-            </a:r>
-            <a:r>
-              <a:rPr lang="en-US" sz="2000" dirty="0" smtClean="0"/>
-              <a:t>+1 781-325-6897</a:t>
-            </a:r>
-            <a:endParaRPr lang="en-US" sz="2000" dirty="0"/>
-          </a:p>
-          <a:p>
-            <a:endParaRPr lang="en-US" sz="2000" dirty="0"/>
-          </a:p>
-          <a:p>
-            <a:endParaRPr lang="en-US" sz="2000" dirty="0"/>
-          </a:p>
-          <a:p>
-            <a:pPr marL="0" indent="0" algn="just">
-              <a:buNone/>
+              <a:rPr lang="en-US" sz="1900" dirty="0"/>
+              <a:t>Our team ensures your items are posted with optimized descriptions, high-quality images, and targeted to the right audience for maximum visibility.</a:t>
+            </a:r>
+          </a:p>
+          <a:p>
+            <a:pPr lvl="1">
+              <a:buFont typeface="Wingdings" panose="05000000000000000000" pitchFamily="2" charset="2"/>
+              <a:buChar char="Ø"/>
+            </a:pPr>
+            <a:r>
+              <a:rPr lang="en-US" sz="1900" b="1" dirty="0"/>
+              <a:t>Service Fee</a:t>
+            </a:r>
+            <a:r>
+              <a:rPr lang="en-US" sz="1900" dirty="0"/>
+              <a:t>: [Insert Fee Details]</a:t>
+            </a:r>
+          </a:p>
+          <a:p>
+            <a:pPr>
+              <a:buFont typeface="+mj-lt"/>
+              <a:buAutoNum type="arabicPeriod"/>
+            </a:pPr>
+            <a:r>
+              <a:rPr lang="en-US" sz="1900" b="1" dirty="0"/>
+              <a:t>CCTV Monitoring Service</a:t>
+            </a:r>
+            <a:r>
+              <a:rPr lang="en-US" sz="1900" dirty="0"/>
+              <a:t>:</a:t>
+            </a:r>
+          </a:p>
+          <a:p>
+            <a:pPr lvl="1">
+              <a:buFont typeface="Wingdings" panose="05000000000000000000" pitchFamily="2" charset="2"/>
+              <a:buChar char="Ø"/>
+            </a:pPr>
+            <a:r>
+              <a:rPr lang="en-US" sz="1900" dirty="0"/>
+              <a:t>We offer comprehensive </a:t>
+            </a:r>
+            <a:r>
+              <a:rPr lang="en-US" sz="1900" b="1" dirty="0"/>
+              <a:t>CCTV monitoring services</a:t>
+            </a:r>
+            <a:r>
+              <a:rPr lang="en-US" sz="1900" dirty="0"/>
+              <a:t> to ensure the safety of your premises.</a:t>
+            </a:r>
+          </a:p>
+          <a:p>
+            <a:pPr lvl="1">
+              <a:buFont typeface="Wingdings" panose="05000000000000000000" pitchFamily="2" charset="2"/>
+              <a:buChar char="Ø"/>
+            </a:pPr>
+            <a:r>
+              <a:rPr lang="en-US" sz="1900" dirty="0"/>
+              <a:t>Our team monitors real-time footage and alerts you to any suspicious activity, 24/7.</a:t>
+            </a:r>
+          </a:p>
+          <a:p>
+            <a:pPr lvl="1">
+              <a:buFont typeface="Wingdings" panose="05000000000000000000" pitchFamily="2" charset="2"/>
+              <a:buChar char="Ø"/>
+            </a:pPr>
+            <a:r>
+              <a:rPr lang="en-US" sz="1900" b="1" dirty="0"/>
+              <a:t>Service Fee</a:t>
+            </a:r>
+            <a:r>
+              <a:rPr lang="en-US" sz="1900" dirty="0"/>
+              <a:t>: [Insert Fee Details]</a:t>
+            </a:r>
+          </a:p>
+          <a:p>
+            <a:pPr algn="just">
+              <a:buFont typeface="+mj-lt"/>
+              <a:buAutoNum type="arabicPeriod"/>
             </a:pPr>
             <a:endParaRPr sz="1900" dirty="0"/>
           </a:p>
@@ -5302,6 +5834,644 @@
         </p:nvSpPr>
         <p:spPr>
           <a:xfrm>
+            <a:off x="292340" y="442343"/>
+            <a:ext cx="8229600" cy="1143000"/>
+          </a:xfrm>
+        </p:spPr>
+        <p:txBody>
+          <a:bodyPr>
+            <a:normAutofit/>
+          </a:bodyPr>
+          <a:lstStyle/>
+          <a:p>
+            <a:r>
+              <a:rPr lang="en-US" sz="2800" b="1" dirty="0" smtClean="0"/>
+              <a:t>Device Grading Scale: Understanding Product Quality</a:t>
+            </a:r>
+            <a:endParaRPr sz="2800" b="1" dirty="0"/>
+          </a:p>
+        </p:txBody>
+      </p:sp>
+      <p:sp>
+        <p:nvSpPr>
+          <p:cNvPr id="3" name="Content Placeholder 2"/>
+          <p:cNvSpPr>
+            <a:spLocks noGrp="1"/>
+          </p:cNvSpPr>
+          <p:nvPr>
+            <p:ph idx="1"/>
+          </p:nvPr>
+        </p:nvSpPr>
+        <p:spPr>
+          <a:xfrm>
+            <a:off x="439818" y="1447800"/>
+            <a:ext cx="8229600" cy="5410200"/>
+          </a:xfrm>
+        </p:spPr>
+        <p:txBody>
+          <a:bodyPr>
+            <a:normAutofit/>
+          </a:bodyPr>
+          <a:lstStyle/>
+          <a:p>
+            <a:pPr marL="0" indent="0" algn="just">
+              <a:buNone/>
+            </a:pPr>
+            <a:r>
+              <a:rPr lang="en-US" sz="2400" b="1" dirty="0"/>
+              <a:t>A+ Grade</a:t>
+            </a:r>
+            <a:r>
+              <a:rPr lang="en-US" sz="2400" dirty="0"/>
+              <a:t>:</a:t>
+            </a:r>
+            <a:endParaRPr lang="en-US" sz="2400" b="1" dirty="0"/>
+          </a:p>
+          <a:p>
+            <a:pPr algn="just">
+              <a:buFont typeface="Wingdings" panose="05000000000000000000" pitchFamily="2" charset="2"/>
+              <a:buChar char="Ø"/>
+            </a:pPr>
+            <a:r>
+              <a:rPr lang="en-US" sz="2000" dirty="0"/>
+              <a:t>Like-new devices with very minor or no cosmetic blemishes.</a:t>
+            </a:r>
+            <a:endParaRPr lang="en-US" sz="2000" dirty="0" smtClean="0"/>
+          </a:p>
+          <a:p>
+            <a:pPr algn="just">
+              <a:buFont typeface="Wingdings" panose="05000000000000000000" pitchFamily="2" charset="2"/>
+              <a:buChar char="Ø"/>
+            </a:pPr>
+            <a:r>
+              <a:rPr lang="en-US" sz="2000" dirty="0"/>
+              <a:t>Battery health will be equal to or greater than 90</a:t>
+            </a:r>
+            <a:r>
+              <a:rPr lang="en-US" sz="2000" dirty="0" smtClean="0"/>
+              <a:t>%.	</a:t>
+            </a:r>
+          </a:p>
+          <a:p>
+            <a:pPr algn="just">
+              <a:buFont typeface="Wingdings" panose="05000000000000000000" pitchFamily="2" charset="2"/>
+              <a:buChar char="Ø"/>
+            </a:pPr>
+            <a:endParaRPr lang="en-US" sz="2000" dirty="0" smtClean="0"/>
+          </a:p>
+          <a:p>
+            <a:pPr marL="0" indent="0" algn="just">
+              <a:buNone/>
+            </a:pPr>
+            <a:r>
+              <a:rPr lang="en-US" sz="2400" b="1" dirty="0" smtClean="0"/>
+              <a:t>A </a:t>
+            </a:r>
+            <a:r>
+              <a:rPr lang="en-US" sz="2400" b="1" dirty="0"/>
+              <a:t>Grade</a:t>
+            </a:r>
+            <a:r>
+              <a:rPr lang="en-US" sz="2400" dirty="0"/>
+              <a:t>:</a:t>
+            </a:r>
+            <a:endParaRPr lang="en-US" sz="2400" b="1" dirty="0"/>
+          </a:p>
+          <a:p>
+            <a:pPr algn="just">
+              <a:buFont typeface="Wingdings" panose="05000000000000000000" pitchFamily="2" charset="2"/>
+              <a:buChar char="Ø"/>
+            </a:pPr>
+            <a:r>
+              <a:rPr lang="en-US" sz="2000" dirty="0"/>
+              <a:t>Devices with a battery health equal to or greater than 80%.</a:t>
+            </a:r>
+          </a:p>
+          <a:p>
+            <a:pPr algn="just">
+              <a:buFont typeface="Wingdings" panose="05000000000000000000" pitchFamily="2" charset="2"/>
+              <a:buChar char="Ø"/>
+            </a:pPr>
+            <a:r>
+              <a:rPr lang="en-US" sz="2000" dirty="0"/>
+              <a:t>Minimal signs of wear, fully functional.</a:t>
+            </a:r>
+            <a:endParaRPr lang="en-US" sz="2000" dirty="0" smtClean="0"/>
+          </a:p>
+          <a:p>
+            <a:pPr marL="0" indent="0" algn="just">
+              <a:buNone/>
+            </a:pPr>
+            <a:endParaRPr lang="en-US" sz="1800" dirty="0"/>
+          </a:p>
+          <a:p>
+            <a:pPr marL="0" indent="0" algn="just">
+              <a:buNone/>
+            </a:pPr>
+            <a:r>
+              <a:rPr lang="en-US" sz="2400" b="1" dirty="0" smtClean="0"/>
+              <a:t>B+ Grade:</a:t>
+            </a:r>
+          </a:p>
+          <a:p>
+            <a:pPr algn="just">
+              <a:buFont typeface="Wingdings" panose="05000000000000000000" pitchFamily="2" charset="2"/>
+              <a:buChar char="Ø"/>
+            </a:pPr>
+            <a:r>
+              <a:rPr lang="en-US" sz="2000" dirty="0" smtClean="0"/>
+              <a:t>Devices </a:t>
+            </a:r>
+            <a:r>
+              <a:rPr lang="en-US" sz="2000" dirty="0"/>
+              <a:t>have passed all functional tests but may show some noticeable cosmetic blemishes</a:t>
+            </a:r>
+            <a:r>
+              <a:rPr lang="en-US" sz="2000" dirty="0" smtClean="0"/>
+              <a:t>.</a:t>
+            </a:r>
+          </a:p>
+          <a:p>
+            <a:pPr algn="just">
+              <a:buFont typeface="Wingdings" panose="05000000000000000000" pitchFamily="2" charset="2"/>
+              <a:buChar char="Ø"/>
+            </a:pPr>
+            <a:r>
+              <a:rPr lang="en-US" sz="2000" dirty="0"/>
+              <a:t>Battery health will be equal to or greater than 80%.</a:t>
+            </a:r>
+            <a:endParaRPr lang="en-US" sz="2000" dirty="0"/>
+          </a:p>
+        </p:txBody>
+      </p:sp>
+      <p:pic>
+        <p:nvPicPr>
+          <p:cNvPr id="4" name="Picture 3"/>
+          <p:cNvPicPr>
+            <a:picLocks noChangeAspect="1"/>
+          </p:cNvPicPr>
+          <p:nvPr/>
+        </p:nvPicPr>
+        <p:blipFill>
+          <a:blip r:embed="rId2" cstate="print">
+            <a:extLst>
+              <a:ext uri="{28A0092B-C50C-407E-A947-70E740481C1C}">
+                <a14:useLocalDpi xmlns:a14="http://schemas.microsoft.com/office/drawing/2010/main" val="0"/>
+              </a:ext>
+            </a:extLst>
+          </a:blip>
+          <a:stretch>
+            <a:fillRect/>
+          </a:stretch>
+        </p:blipFill>
+        <p:spPr>
+          <a:xfrm>
+            <a:off x="6743700" y="88900"/>
+            <a:ext cx="2260600" cy="482600"/>
+          </a:xfrm>
+          <a:prstGeom prst="rect">
+            <a:avLst/>
+          </a:prstGeom>
+        </p:spPr>
+      </p:pic>
+      <p:cxnSp>
+        <p:nvCxnSpPr>
+          <p:cNvPr id="5" name="Straight Connector 4"/>
+          <p:cNvCxnSpPr/>
+          <p:nvPr/>
+        </p:nvCxnSpPr>
+        <p:spPr>
+          <a:xfrm flipV="1">
+            <a:off x="145576" y="698636"/>
+            <a:ext cx="8912860" cy="1"/>
+          </a:xfrm>
+          <a:prstGeom prst="line">
+            <a:avLst/>
+          </a:prstGeom>
+        </p:spPr>
+        <p:style>
+          <a:lnRef idx="3">
+            <a:schemeClr val="dk1"/>
+          </a:lnRef>
+          <a:fillRef idx="0">
+            <a:schemeClr val="dk1"/>
+          </a:fillRef>
+          <a:effectRef idx="2">
+            <a:schemeClr val="dk1"/>
+          </a:effectRef>
+          <a:fontRef idx="minor">
+            <a:schemeClr val="tx1"/>
+          </a:fontRef>
+        </p:style>
+      </p:cxnSp>
+    </p:spTree>
+    <p:extLst>
+      <p:ext uri="{BB962C8B-B14F-4D97-AF65-F5344CB8AC3E}">
+        <p14:creationId xmlns:p14="http://schemas.microsoft.com/office/powerpoint/2010/main" val="1493434404"/>
+      </p:ext>
+    </p:extLst>
+  </p:cSld>
+  <p:clrMapOvr>
+    <a:masterClrMapping/>
+  </p:clrMapOvr>
+  <p:timing>
+    <p:tnLst>
+      <p:par>
+        <p:cTn id="1" dur="indefinite" restart="never" nodeType="tmRoot"/>
+      </p:par>
+    </p:tnLst>
+  </p:timing>
+</p:sld>
+</file>
+
+<file path=ppt/slides/slide20.xml><?xml version="1.0" encoding="utf-8"?>
+<p:sld xmlns:a="http://schemas.openxmlformats.org/drawingml/2006/main" xmlns:r="http://schemas.openxmlformats.org/officeDocument/2006/relationships" xmlns:p="http://schemas.openxmlformats.org/presentationml/2006/main">
+  <p:cSld>
+    <p:spTree>
+      <p:nvGrpSpPr>
+        <p:cNvPr id="1" name=""/>
+        <p:cNvGrpSpPr/>
+        <p:nvPr/>
+      </p:nvGrpSpPr>
+      <p:grpSpPr>
+        <a:xfrm>
+          <a:off x="0" y="0"/>
+          <a:ext cx="0" cy="0"/>
+          <a:chOff x="0" y="0"/>
+          <a:chExt cx="0" cy="0"/>
+        </a:xfrm>
+      </p:grpSpPr>
+      <p:sp>
+        <p:nvSpPr>
+          <p:cNvPr id="2" name="Title 1"/>
+          <p:cNvSpPr>
+            <a:spLocks noGrp="1"/>
+          </p:cNvSpPr>
+          <p:nvPr>
+            <p:ph type="title"/>
+          </p:nvPr>
+        </p:nvSpPr>
+        <p:spPr>
+          <a:xfrm>
+            <a:off x="50800" y="457200"/>
+            <a:ext cx="8229600" cy="1143000"/>
+          </a:xfrm>
+        </p:spPr>
+        <p:txBody>
+          <a:bodyPr>
+            <a:normAutofit/>
+          </a:bodyPr>
+          <a:lstStyle/>
+          <a:p>
+            <a:r>
+              <a:rPr lang="en-US" sz="4000" b="1" dirty="0"/>
+              <a:t>Contact Support</a:t>
+            </a:r>
+            <a:endParaRPr sz="4000" b="1" dirty="0"/>
+          </a:p>
+        </p:txBody>
+      </p:sp>
+      <p:sp>
+        <p:nvSpPr>
+          <p:cNvPr id="3" name="Content Placeholder 2"/>
+          <p:cNvSpPr>
+            <a:spLocks noGrp="1"/>
+          </p:cNvSpPr>
+          <p:nvPr>
+            <p:ph idx="1"/>
+          </p:nvPr>
+        </p:nvSpPr>
+        <p:spPr>
+          <a:xfrm>
+            <a:off x="648269" y="1412544"/>
+            <a:ext cx="8229600" cy="4525963"/>
+          </a:xfrm>
+        </p:spPr>
+        <p:txBody>
+          <a:bodyPr>
+            <a:normAutofit/>
+          </a:bodyPr>
+          <a:lstStyle/>
+          <a:p>
+            <a:pPr marL="0" indent="0">
+              <a:buNone/>
+            </a:pPr>
+            <a:r>
+              <a:rPr lang="en-US" sz="2000" dirty="0"/>
+              <a:t>For assistance with your orders or account:</a:t>
+            </a:r>
+          </a:p>
+          <a:p>
+            <a:endParaRPr lang="en-US" sz="2000" dirty="0"/>
+          </a:p>
+          <a:p>
+            <a:pPr marL="0" indent="0">
+              <a:buNone/>
+            </a:pPr>
+            <a:r>
+              <a:rPr lang="en-US" sz="2000" dirty="0"/>
+              <a:t>• Email:everestphones@gmail.com</a:t>
+            </a:r>
+          </a:p>
+          <a:p>
+            <a:pPr marL="0" indent="0">
+              <a:buNone/>
+            </a:pPr>
+            <a:r>
+              <a:rPr lang="en-US" sz="2000" dirty="0"/>
+              <a:t>• Phone: </a:t>
+            </a:r>
+            <a:r>
+              <a:rPr lang="en-US" sz="2000" dirty="0" smtClean="0"/>
+              <a:t>+1 781-325-6897</a:t>
+            </a:r>
+            <a:endParaRPr lang="en-US" sz="2000" dirty="0"/>
+          </a:p>
+          <a:p>
+            <a:endParaRPr lang="en-US" sz="2000" dirty="0"/>
+          </a:p>
+          <a:p>
+            <a:endParaRPr lang="en-US" sz="2000" dirty="0"/>
+          </a:p>
+          <a:p>
+            <a:pPr marL="0" indent="0" algn="just">
+              <a:buNone/>
+            </a:pPr>
+            <a:endParaRPr sz="1900" dirty="0"/>
+          </a:p>
+        </p:txBody>
+      </p:sp>
+      <p:pic>
+        <p:nvPicPr>
+          <p:cNvPr id="4" name="Picture 3"/>
+          <p:cNvPicPr>
+            <a:picLocks noChangeAspect="1"/>
+          </p:cNvPicPr>
+          <p:nvPr/>
+        </p:nvPicPr>
+        <p:blipFill>
+          <a:blip r:embed="rId2" cstate="print">
+            <a:extLst>
+              <a:ext uri="{28A0092B-C50C-407E-A947-70E740481C1C}">
+                <a14:useLocalDpi xmlns:a14="http://schemas.microsoft.com/office/drawing/2010/main" val="0"/>
+              </a:ext>
+            </a:extLst>
+          </a:blip>
+          <a:stretch>
+            <a:fillRect/>
+          </a:stretch>
+        </p:blipFill>
+        <p:spPr>
+          <a:xfrm>
+            <a:off x="6743700" y="88900"/>
+            <a:ext cx="2260600" cy="482600"/>
+          </a:xfrm>
+          <a:prstGeom prst="rect">
+            <a:avLst/>
+          </a:prstGeom>
+        </p:spPr>
+      </p:pic>
+      <p:cxnSp>
+        <p:nvCxnSpPr>
+          <p:cNvPr id="5" name="Straight Connector 4"/>
+          <p:cNvCxnSpPr/>
+          <p:nvPr/>
+        </p:nvCxnSpPr>
+        <p:spPr>
+          <a:xfrm flipV="1">
+            <a:off x="145576" y="698636"/>
+            <a:ext cx="8912860" cy="1"/>
+          </a:xfrm>
+          <a:prstGeom prst="line">
+            <a:avLst/>
+          </a:prstGeom>
+        </p:spPr>
+        <p:style>
+          <a:lnRef idx="3">
+            <a:schemeClr val="dk1"/>
+          </a:lnRef>
+          <a:fillRef idx="0">
+            <a:schemeClr val="dk1"/>
+          </a:fillRef>
+          <a:effectRef idx="2">
+            <a:schemeClr val="dk1"/>
+          </a:effectRef>
+          <a:fontRef idx="minor">
+            <a:schemeClr val="tx1"/>
+          </a:fontRef>
+        </p:style>
+      </p:cxnSp>
+    </p:spTree>
+    <p:extLst>
+      <p:ext uri="{BB962C8B-B14F-4D97-AF65-F5344CB8AC3E}">
+        <p14:creationId xmlns:p14="http://schemas.microsoft.com/office/powerpoint/2010/main" val="880190294"/>
+      </p:ext>
+    </p:extLst>
+  </p:cSld>
+  <p:clrMapOvr>
+    <a:masterClrMapping/>
+  </p:clrMapOvr>
+</p:sld>
+</file>
+
+<file path=ppt/slides/slide3.xml><?xml version="1.0" encoding="utf-8"?>
+<p:sld xmlns:a="http://schemas.openxmlformats.org/drawingml/2006/main" xmlns:r="http://schemas.openxmlformats.org/officeDocument/2006/relationships" xmlns:p="http://schemas.openxmlformats.org/presentationml/2006/main">
+  <p:cSld>
+    <p:spTree>
+      <p:nvGrpSpPr>
+        <p:cNvPr id="1" name=""/>
+        <p:cNvGrpSpPr/>
+        <p:nvPr/>
+      </p:nvGrpSpPr>
+      <p:grpSpPr>
+        <a:xfrm>
+          <a:off x="0" y="0"/>
+          <a:ext cx="0" cy="0"/>
+          <a:chOff x="0" y="0"/>
+          <a:chExt cx="0" cy="0"/>
+        </a:xfrm>
+      </p:grpSpPr>
+      <p:sp>
+        <p:nvSpPr>
+          <p:cNvPr id="3" name="Content Placeholder 2"/>
+          <p:cNvSpPr>
+            <a:spLocks noGrp="1"/>
+          </p:cNvSpPr>
+          <p:nvPr>
+            <p:ph idx="4294967295"/>
+          </p:nvPr>
+        </p:nvSpPr>
+        <p:spPr>
+          <a:xfrm>
+            <a:off x="145576" y="945105"/>
+            <a:ext cx="8858724" cy="4247998"/>
+          </a:xfrm>
+        </p:spPr>
+        <p:txBody>
+          <a:bodyPr>
+            <a:normAutofit/>
+          </a:bodyPr>
+          <a:lstStyle/>
+          <a:p>
+            <a:pPr marL="0" indent="0" algn="just">
+              <a:buNone/>
+            </a:pPr>
+            <a:r>
+              <a:rPr lang="en-US" sz="2400" b="1" dirty="0"/>
+              <a:t>B Grade</a:t>
+            </a:r>
+            <a:r>
+              <a:rPr lang="en-US" sz="2400" dirty="0"/>
+              <a:t>:</a:t>
+            </a:r>
+            <a:endParaRPr lang="en-US" sz="2400" b="1" dirty="0"/>
+          </a:p>
+          <a:p>
+            <a:pPr algn="just">
+              <a:buFont typeface="Wingdings" panose="05000000000000000000" pitchFamily="2" charset="2"/>
+              <a:buChar char="Ø"/>
+            </a:pPr>
+            <a:r>
+              <a:rPr lang="en-US" sz="2000" dirty="0"/>
+              <a:t>Devices have passed all functional tests and will exhibit more noticeable cosmetic blemishes</a:t>
+            </a:r>
+            <a:r>
+              <a:rPr lang="en-US" sz="2000" dirty="0" smtClean="0"/>
+              <a:t>.</a:t>
+            </a:r>
+          </a:p>
+          <a:p>
+            <a:pPr marL="0" indent="0" algn="just">
+              <a:buNone/>
+            </a:pPr>
+            <a:r>
+              <a:rPr lang="en-US" sz="2400" b="1" dirty="0"/>
+              <a:t>C+ Grade</a:t>
+            </a:r>
+            <a:r>
+              <a:rPr lang="en-US" sz="2400" dirty="0" smtClean="0"/>
+              <a:t>:</a:t>
+            </a:r>
+            <a:endParaRPr lang="en-US" sz="2400" b="1" dirty="0"/>
+          </a:p>
+          <a:p>
+            <a:pPr algn="just">
+              <a:buFont typeface="Wingdings" panose="05000000000000000000" pitchFamily="2" charset="2"/>
+              <a:buChar char="Ø"/>
+            </a:pPr>
+            <a:r>
+              <a:rPr lang="en-US" sz="2000" dirty="0"/>
+              <a:t>Devices are functional but may have several noticeable cosmetic blemishes</a:t>
+            </a:r>
+            <a:r>
+              <a:rPr lang="en-US" sz="2000" dirty="0" smtClean="0"/>
+              <a:t>.</a:t>
+            </a:r>
+          </a:p>
+        </p:txBody>
+      </p:sp>
+      <p:pic>
+        <p:nvPicPr>
+          <p:cNvPr id="4" name="Picture 3"/>
+          <p:cNvPicPr>
+            <a:picLocks noChangeAspect="1"/>
+          </p:cNvPicPr>
+          <p:nvPr/>
+        </p:nvPicPr>
+        <p:blipFill>
+          <a:blip r:embed="rId2" cstate="print">
+            <a:extLst>
+              <a:ext uri="{28A0092B-C50C-407E-A947-70E740481C1C}">
+                <a14:useLocalDpi xmlns:a14="http://schemas.microsoft.com/office/drawing/2010/main" val="0"/>
+              </a:ext>
+            </a:extLst>
+          </a:blip>
+          <a:stretch>
+            <a:fillRect/>
+          </a:stretch>
+        </p:blipFill>
+        <p:spPr>
+          <a:xfrm>
+            <a:off x="6743700" y="88900"/>
+            <a:ext cx="2260600" cy="482600"/>
+          </a:xfrm>
+          <a:prstGeom prst="rect">
+            <a:avLst/>
+          </a:prstGeom>
+        </p:spPr>
+      </p:pic>
+      <p:cxnSp>
+        <p:nvCxnSpPr>
+          <p:cNvPr id="5" name="Straight Connector 4"/>
+          <p:cNvCxnSpPr/>
+          <p:nvPr/>
+        </p:nvCxnSpPr>
+        <p:spPr>
+          <a:xfrm flipV="1">
+            <a:off x="145576" y="698636"/>
+            <a:ext cx="8912860" cy="1"/>
+          </a:xfrm>
+          <a:prstGeom prst="line">
+            <a:avLst/>
+          </a:prstGeom>
+        </p:spPr>
+        <p:style>
+          <a:lnRef idx="3">
+            <a:schemeClr val="dk1"/>
+          </a:lnRef>
+          <a:fillRef idx="0">
+            <a:schemeClr val="dk1"/>
+          </a:fillRef>
+          <a:effectRef idx="2">
+            <a:schemeClr val="dk1"/>
+          </a:effectRef>
+          <a:fontRef idx="minor">
+            <a:schemeClr val="tx1"/>
+          </a:fontRef>
+        </p:style>
+      </p:cxnSp>
+    </p:spTree>
+    <p:extLst>
+      <p:ext uri="{BB962C8B-B14F-4D97-AF65-F5344CB8AC3E}">
+        <p14:creationId xmlns:p14="http://schemas.microsoft.com/office/powerpoint/2010/main" val="2545716612"/>
+      </p:ext>
+    </p:extLst>
+  </p:cSld>
+  <p:clrMapOvr>
+    <a:masterClrMapping/>
+  </p:clrMapOvr>
+</p:sld>
+</file>
+
+<file path=ppt/slides/slide4.xml><?xml version="1.0" encoding="utf-8"?>
+<p:sld xmlns:a="http://schemas.openxmlformats.org/drawingml/2006/main" xmlns:r="http://schemas.openxmlformats.org/officeDocument/2006/relationships" xmlns:p="http://schemas.openxmlformats.org/presentationml/2006/main">
+  <p:cSld>
+    <p:spTree>
+      <p:nvGrpSpPr>
+        <p:cNvPr id="1" name=""/>
+        <p:cNvGrpSpPr/>
+        <p:nvPr/>
+      </p:nvGrpSpPr>
+      <p:grpSpPr>
+        <a:xfrm>
+          <a:off x="0" y="0"/>
+          <a:ext cx="0" cy="0"/>
+          <a:chOff x="0" y="0"/>
+          <a:chExt cx="0" cy="0"/>
+        </a:xfrm>
+      </p:grpSpPr>
+      <p:sp>
+        <p:nvSpPr>
+          <p:cNvPr id="2" name="Title 1"/>
+          <p:cNvSpPr>
+            <a:spLocks noGrp="1"/>
+          </p:cNvSpPr>
+          <p:nvPr>
+            <p:ph type="title"/>
+          </p:nvPr>
+        </p:nvSpPr>
+        <p:spPr>
+          <a:xfrm>
             <a:off x="50800" y="457200"/>
             <a:ext cx="8229600" cy="1143000"/>
           </a:xfrm>
@@ -5486,6 +6656,11 @@
         </p:spPr>
       </p:pic>
     </p:spTree>
+    <p:extLst>
+      <p:ext uri="{BB962C8B-B14F-4D97-AF65-F5344CB8AC3E}">
+        <p14:creationId xmlns:p14="http://schemas.microsoft.com/office/powerpoint/2010/main" val="3205225634"/>
+      </p:ext>
+    </p:extLst>
   </p:cSld>
   <p:clrMapOvr>
     <a:masterClrMapping/>
@@ -5493,7 +6668,7 @@
 </p:sld>
 </file>
 
-<file path=ppt/slides/slide3.xml><?xml version="1.0" encoding="utf-8"?>
+<file path=ppt/slides/slide5.xml><?xml version="1.0" encoding="utf-8"?>
 <p:sld xmlns:a="http://schemas.openxmlformats.org/drawingml/2006/main" xmlns:r="http://schemas.openxmlformats.org/officeDocument/2006/relationships" xmlns:p="http://schemas.openxmlformats.org/presentationml/2006/main">
   <p:cSld>
     <p:spTree>
@@ -5703,7 +6878,7 @@
 </p:sld>
 </file>
 
-<file path=ppt/slides/slide4.xml><?xml version="1.0" encoding="utf-8"?>
+<file path=ppt/slides/slide6.xml><?xml version="1.0" encoding="utf-8"?>
 <p:sld xmlns:a="http://schemas.openxmlformats.org/drawingml/2006/main" xmlns:r="http://schemas.openxmlformats.org/officeDocument/2006/relationships" xmlns:p="http://schemas.openxmlformats.org/presentationml/2006/main">
   <p:cSld>
     <p:spTree>
@@ -5897,7 +7072,7 @@
 </p:sld>
 </file>
 
-<file path=ppt/slides/slide5.xml><?xml version="1.0" encoding="utf-8"?>
+<file path=ppt/slides/slide7.xml><?xml version="1.0" encoding="utf-8"?>
 <p:sld xmlns:a="http://schemas.openxmlformats.org/drawingml/2006/main" xmlns:r="http://schemas.openxmlformats.org/officeDocument/2006/relationships" xmlns:p="http://schemas.openxmlformats.org/presentationml/2006/main">
   <p:cSld>
     <p:spTree>
@@ -6091,7 +7266,7 @@
 </p:sld>
 </file>
 
-<file path=ppt/slides/slide6.xml><?xml version="1.0" encoding="utf-8"?>
+<file path=ppt/slides/slide8.xml><?xml version="1.0" encoding="utf-8"?>
 <p:sld xmlns:a="http://schemas.openxmlformats.org/drawingml/2006/main" xmlns:r="http://schemas.openxmlformats.org/officeDocument/2006/relationships" xmlns:p="http://schemas.openxmlformats.org/presentationml/2006/main">
   <p:cSld>
     <p:spTree>
@@ -6297,7 +7472,7 @@
 </p:sld>
 </file>
 
-<file path=ppt/slides/slide7.xml><?xml version="1.0" encoding="utf-8"?>
+<file path=ppt/slides/slide9.xml><?xml version="1.0" encoding="utf-8"?>
 <p:sld xmlns:a="http://schemas.openxmlformats.org/drawingml/2006/main" xmlns:r="http://schemas.openxmlformats.org/officeDocument/2006/relationships" xmlns:p="http://schemas.openxmlformats.org/presentationml/2006/main">
   <p:cSld>
     <p:spTree>
@@ -6494,461 +7669,6 @@
     <p:extLst>
       <p:ext uri="{BB962C8B-B14F-4D97-AF65-F5344CB8AC3E}">
         <p14:creationId xmlns:p14="http://schemas.microsoft.com/office/powerpoint/2010/main" val="576069511"/>
-      </p:ext>
-    </p:extLst>
-  </p:cSld>
-  <p:clrMapOvr>
-    <a:masterClrMapping/>
-  </p:clrMapOvr>
-</p:sld>
-</file>
-
-<file path=ppt/slides/slide8.xml><?xml version="1.0" encoding="utf-8"?>
-<p:sld xmlns:a="http://schemas.openxmlformats.org/drawingml/2006/main" xmlns:r="http://schemas.openxmlformats.org/officeDocument/2006/relationships" xmlns:p="http://schemas.openxmlformats.org/presentationml/2006/main">
-  <p:cSld>
-    <p:spTree>
-      <p:nvGrpSpPr>
-        <p:cNvPr id="1" name=""/>
-        <p:cNvGrpSpPr/>
-        <p:nvPr/>
-      </p:nvGrpSpPr>
-      <p:grpSpPr>
-        <a:xfrm>
-          <a:off x="0" y="0"/>
-          <a:ext cx="0" cy="0"/>
-          <a:chOff x="0" y="0"/>
-          <a:chExt cx="0" cy="0"/>
-        </a:xfrm>
-      </p:grpSpPr>
-      <p:sp>
-        <p:nvSpPr>
-          <p:cNvPr id="2" name="Title 1"/>
-          <p:cNvSpPr>
-            <a:spLocks noGrp="1"/>
-          </p:cNvSpPr>
-          <p:nvPr>
-            <p:ph type="title"/>
-          </p:nvPr>
-        </p:nvSpPr>
-        <p:spPr>
-          <a:xfrm>
-            <a:off x="364699" y="698637"/>
-            <a:ext cx="8229600" cy="1143000"/>
-          </a:xfrm>
-        </p:spPr>
-        <p:txBody>
-          <a:bodyPr>
-            <a:normAutofit/>
-          </a:bodyPr>
-          <a:lstStyle/>
-          <a:p>
-            <a:r>
-              <a:rPr lang="en-US" sz="3400" b="1" dirty="0"/>
-              <a:t>Step 7 - Payment Details (Bank Transfer &amp; Zelle)</a:t>
-            </a:r>
-            <a:endParaRPr sz="3400" b="1" dirty="0"/>
-          </a:p>
-        </p:txBody>
-      </p:sp>
-      <p:sp>
-        <p:nvSpPr>
-          <p:cNvPr id="3" name="Content Placeholder 2"/>
-          <p:cNvSpPr>
-            <a:spLocks noGrp="1"/>
-          </p:cNvSpPr>
-          <p:nvPr>
-            <p:ph idx="1"/>
-          </p:nvPr>
-        </p:nvSpPr>
-        <p:spPr>
-          <a:xfrm>
-            <a:off x="487206" y="1862109"/>
-            <a:ext cx="8229600" cy="4525963"/>
-          </a:xfrm>
-        </p:spPr>
-        <p:txBody>
-          <a:bodyPr>
-            <a:normAutofit/>
-          </a:bodyPr>
-          <a:lstStyle/>
-          <a:p>
-            <a:pPr marL="0" indent="0">
-              <a:buNone/>
-            </a:pPr>
-            <a:r>
-              <a:rPr lang="en-US" sz="1800" dirty="0"/>
-              <a:t>To complete your purchase, use the following payment methods:</a:t>
-            </a:r>
-          </a:p>
-          <a:p>
-            <a:endParaRPr lang="en-US" sz="1800" dirty="0"/>
-          </a:p>
-          <a:p>
-            <a:pPr marL="0" indent="0">
-              <a:buNone/>
-            </a:pPr>
-            <a:r>
-              <a:rPr lang="en-US" sz="1800" dirty="0"/>
-              <a:t>**</a:t>
-            </a:r>
-            <a:r>
-              <a:rPr lang="en-US" sz="1800" b="1" dirty="0">
-                <a:solidFill>
-                  <a:srgbClr val="FF0000"/>
-                </a:solidFill>
-              </a:rPr>
-              <a:t>Bank Wire Transfer</a:t>
-            </a:r>
-            <a:r>
-              <a:rPr lang="en-US" sz="1800" dirty="0"/>
-              <a:t>**:</a:t>
-            </a:r>
-          </a:p>
-          <a:p>
-            <a:pPr marL="0" indent="0">
-              <a:buNone/>
-            </a:pPr>
-            <a:r>
-              <a:rPr lang="en-US" sz="1800" dirty="0"/>
-              <a:t>• Bank Name: Bank of America</a:t>
-            </a:r>
-          </a:p>
-          <a:p>
-            <a:pPr marL="0" indent="0">
-              <a:buNone/>
-            </a:pPr>
-            <a:r>
-              <a:rPr lang="en-US" sz="1800" dirty="0"/>
-              <a:t>• Account Name: Everest Phone LLC</a:t>
-            </a:r>
-          </a:p>
-          <a:p>
-            <a:pPr marL="0" indent="0">
-              <a:buNone/>
-            </a:pPr>
-            <a:r>
-              <a:rPr lang="en-US" sz="1800" dirty="0"/>
-              <a:t>• ABA Routing Number (Wire): 026009593</a:t>
-            </a:r>
-          </a:p>
-          <a:p>
-            <a:pPr marL="0" indent="0">
-              <a:buNone/>
-            </a:pPr>
-            <a:r>
-              <a:rPr lang="en-US" sz="1800" dirty="0"/>
-              <a:t>• ABA Routing Number (Electronic): 053000196</a:t>
-            </a:r>
-          </a:p>
-          <a:p>
-            <a:pPr marL="0" indent="0">
-              <a:buNone/>
-            </a:pPr>
-            <a:r>
-              <a:rPr lang="en-US" sz="1800" dirty="0"/>
-              <a:t>• Account Number: 237036339301</a:t>
-            </a:r>
-          </a:p>
-          <a:p>
-            <a:endParaRPr lang="en-US" sz="1800" dirty="0"/>
-          </a:p>
-          <a:p>
-            <a:pPr marL="0" indent="0">
-              <a:buNone/>
-            </a:pPr>
-            <a:r>
-              <a:rPr lang="en-US" sz="1800" dirty="0"/>
-              <a:t>**</a:t>
-            </a:r>
-            <a:r>
-              <a:rPr lang="en-US" sz="1800" b="1" dirty="0">
-                <a:solidFill>
-                  <a:srgbClr val="FF0000"/>
-                </a:solidFill>
-              </a:rPr>
-              <a:t>Zelle</a:t>
-            </a:r>
-            <a:r>
-              <a:rPr lang="en-US" sz="1800" dirty="0"/>
-              <a:t>**: everestphones@gmail.com</a:t>
-            </a:r>
-          </a:p>
-          <a:p>
-            <a:endParaRPr lang="en-US" sz="1800" dirty="0"/>
-          </a:p>
-          <a:p>
-            <a:pPr marL="0" indent="0" algn="just">
-              <a:buNone/>
-            </a:pPr>
-            <a:endParaRPr sz="1800" dirty="0"/>
-          </a:p>
-        </p:txBody>
-      </p:sp>
-      <p:pic>
-        <p:nvPicPr>
-          <p:cNvPr id="4" name="Picture 3"/>
-          <p:cNvPicPr>
-            <a:picLocks noChangeAspect="1"/>
-          </p:cNvPicPr>
-          <p:nvPr/>
-        </p:nvPicPr>
-        <p:blipFill>
-          <a:blip r:embed="rId2" cstate="print">
-            <a:extLst>
-              <a:ext uri="{28A0092B-C50C-407E-A947-70E740481C1C}">
-                <a14:useLocalDpi xmlns:a14="http://schemas.microsoft.com/office/drawing/2010/main" val="0"/>
-              </a:ext>
-            </a:extLst>
-          </a:blip>
-          <a:stretch>
-            <a:fillRect/>
-          </a:stretch>
-        </p:blipFill>
-        <p:spPr>
-          <a:xfrm>
-            <a:off x="6743700" y="88900"/>
-            <a:ext cx="2260600" cy="482600"/>
-          </a:xfrm>
-          <a:prstGeom prst="rect">
-            <a:avLst/>
-          </a:prstGeom>
-        </p:spPr>
-      </p:pic>
-      <p:cxnSp>
-        <p:nvCxnSpPr>
-          <p:cNvPr id="5" name="Straight Connector 4"/>
-          <p:cNvCxnSpPr/>
-          <p:nvPr/>
-        </p:nvCxnSpPr>
-        <p:spPr>
-          <a:xfrm flipV="1">
-            <a:off x="145576" y="698636"/>
-            <a:ext cx="8912860" cy="1"/>
-          </a:xfrm>
-          <a:prstGeom prst="line">
-            <a:avLst/>
-          </a:prstGeom>
-        </p:spPr>
-        <p:style>
-          <a:lnRef idx="3">
-            <a:schemeClr val="dk1"/>
-          </a:lnRef>
-          <a:fillRef idx="0">
-            <a:schemeClr val="dk1"/>
-          </a:fillRef>
-          <a:effectRef idx="2">
-            <a:schemeClr val="dk1"/>
-          </a:effectRef>
-          <a:fontRef idx="minor">
-            <a:schemeClr val="tx1"/>
-          </a:fontRef>
-        </p:style>
-      </p:cxnSp>
-    </p:spTree>
-    <p:extLst>
-      <p:ext uri="{BB962C8B-B14F-4D97-AF65-F5344CB8AC3E}">
-        <p14:creationId xmlns:p14="http://schemas.microsoft.com/office/powerpoint/2010/main" val="677131465"/>
-      </p:ext>
-    </p:extLst>
-  </p:cSld>
-  <p:clrMapOvr>
-    <a:masterClrMapping/>
-  </p:clrMapOvr>
-</p:sld>
-</file>
-
-<file path=ppt/slides/slide9.xml><?xml version="1.0" encoding="utf-8"?>
-<p:sld xmlns:a="http://schemas.openxmlformats.org/drawingml/2006/main" xmlns:r="http://schemas.openxmlformats.org/officeDocument/2006/relationships" xmlns:p="http://schemas.openxmlformats.org/presentationml/2006/main">
-  <p:cSld>
-    <p:spTree>
-      <p:nvGrpSpPr>
-        <p:cNvPr id="1" name=""/>
-        <p:cNvGrpSpPr/>
-        <p:nvPr/>
-      </p:nvGrpSpPr>
-      <p:grpSpPr>
-        <a:xfrm>
-          <a:off x="0" y="0"/>
-          <a:ext cx="0" cy="0"/>
-          <a:chOff x="0" y="0"/>
-          <a:chExt cx="0" cy="0"/>
-        </a:xfrm>
-      </p:grpSpPr>
-      <p:sp>
-        <p:nvSpPr>
-          <p:cNvPr id="2" name="Title 1"/>
-          <p:cNvSpPr>
-            <a:spLocks noGrp="1"/>
-          </p:cNvSpPr>
-          <p:nvPr>
-            <p:ph type="title"/>
-          </p:nvPr>
-        </p:nvSpPr>
-        <p:spPr>
-          <a:xfrm>
-            <a:off x="50800" y="457200"/>
-            <a:ext cx="8229600" cy="1143000"/>
-          </a:xfrm>
-        </p:spPr>
-        <p:txBody>
-          <a:bodyPr>
-            <a:normAutofit fontScale="90000"/>
-          </a:bodyPr>
-          <a:lstStyle/>
-          <a:p>
-            <a:r>
-              <a:rPr lang="en-US" sz="4000" b="1" dirty="0"/>
-              <a:t>Step 8 - Order Confirmation and Tracking</a:t>
-            </a:r>
-            <a:endParaRPr sz="4000" b="1" dirty="0"/>
-          </a:p>
-        </p:txBody>
-      </p:sp>
-      <p:sp>
-        <p:nvSpPr>
-          <p:cNvPr id="3" name="Content Placeholder 2"/>
-          <p:cNvSpPr>
-            <a:spLocks noGrp="1"/>
-          </p:cNvSpPr>
-          <p:nvPr>
-            <p:ph idx="1"/>
-          </p:nvPr>
-        </p:nvSpPr>
-        <p:spPr>
-          <a:xfrm>
-            <a:off x="648269" y="1412544"/>
-            <a:ext cx="8229600" cy="4525963"/>
-          </a:xfrm>
-        </p:spPr>
-        <p:txBody>
-          <a:bodyPr>
-            <a:normAutofit/>
-          </a:bodyPr>
-          <a:lstStyle/>
-          <a:p>
-            <a:pPr marL="0" indent="0">
-              <a:buNone/>
-            </a:pPr>
-            <a:r>
-              <a:rPr lang="en-US" sz="1900" dirty="0"/>
-              <a:t>• After completing the payment, you will receive an order confirmation via email</a:t>
-            </a:r>
-          </a:p>
-          <a:p>
-            <a:pPr marL="0" indent="0">
-              <a:buNone/>
-            </a:pPr>
-            <a:r>
-              <a:rPr lang="en-US" sz="1900" dirty="0"/>
-              <a:t>• You can track your shipment </a:t>
-            </a:r>
-            <a:r>
-              <a:rPr lang="en-US" sz="1900" dirty="0" smtClean="0"/>
-              <a:t>online</a:t>
-            </a:r>
-          </a:p>
-          <a:p>
-            <a:pPr marL="0" indent="0">
-              <a:buNone/>
-            </a:pPr>
-            <a:endParaRPr lang="en-US" sz="1900" dirty="0"/>
-          </a:p>
-          <a:p>
-            <a:pPr marL="0" indent="0">
-              <a:buNone/>
-            </a:pPr>
-            <a:endParaRPr lang="en-US" sz="1900" dirty="0"/>
-          </a:p>
-        </p:txBody>
-      </p:sp>
-      <p:pic>
-        <p:nvPicPr>
-          <p:cNvPr id="4" name="Picture 3"/>
-          <p:cNvPicPr>
-            <a:picLocks noChangeAspect="1"/>
-          </p:cNvPicPr>
-          <p:nvPr/>
-        </p:nvPicPr>
-        <p:blipFill>
-          <a:blip r:embed="rId2" cstate="print">
-            <a:extLst>
-              <a:ext uri="{28A0092B-C50C-407E-A947-70E740481C1C}">
-                <a14:useLocalDpi xmlns:a14="http://schemas.microsoft.com/office/drawing/2010/main" val="0"/>
-              </a:ext>
-            </a:extLst>
-          </a:blip>
-          <a:stretch>
-            <a:fillRect/>
-          </a:stretch>
-        </p:blipFill>
-        <p:spPr>
-          <a:xfrm>
-            <a:off x="6743700" y="88900"/>
-            <a:ext cx="2260600" cy="482600"/>
-          </a:xfrm>
-          <a:prstGeom prst="rect">
-            <a:avLst/>
-          </a:prstGeom>
-        </p:spPr>
-      </p:pic>
-      <p:cxnSp>
-        <p:nvCxnSpPr>
-          <p:cNvPr id="5" name="Straight Connector 4"/>
-          <p:cNvCxnSpPr/>
-          <p:nvPr/>
-        </p:nvCxnSpPr>
-        <p:spPr>
-          <a:xfrm flipV="1">
-            <a:off x="145576" y="698636"/>
-            <a:ext cx="8912860" cy="1"/>
-          </a:xfrm>
-          <a:prstGeom prst="line">
-            <a:avLst/>
-          </a:prstGeom>
-        </p:spPr>
-        <p:style>
-          <a:lnRef idx="3">
-            <a:schemeClr val="dk1"/>
-          </a:lnRef>
-          <a:fillRef idx="0">
-            <a:schemeClr val="dk1"/>
-          </a:fillRef>
-          <a:effectRef idx="2">
-            <a:schemeClr val="dk1"/>
-          </a:effectRef>
-          <a:fontRef idx="minor">
-            <a:schemeClr val="tx1"/>
-          </a:fontRef>
-        </p:style>
-      </p:cxnSp>
-      <p:pic>
-        <p:nvPicPr>
-          <p:cNvPr id="6" name="Picture 5"/>
-          <p:cNvPicPr>
-            <a:picLocks noChangeAspect="1"/>
-          </p:cNvPicPr>
-          <p:nvPr/>
-        </p:nvPicPr>
-        <p:blipFill>
-          <a:blip r:embed="rId3"/>
-          <a:stretch>
-            <a:fillRect/>
-          </a:stretch>
-        </p:blipFill>
-        <p:spPr>
-          <a:xfrm>
-            <a:off x="684645" y="2438399"/>
-            <a:ext cx="7189355" cy="3810001"/>
-          </a:xfrm>
-          <a:prstGeom prst="rect">
-            <a:avLst/>
-          </a:prstGeom>
-        </p:spPr>
-      </p:pic>
-    </p:spTree>
-    <p:extLst>
-      <p:ext uri="{BB962C8B-B14F-4D97-AF65-F5344CB8AC3E}">
-        <p14:creationId xmlns:p14="http://schemas.microsoft.com/office/powerpoint/2010/main" val="92837821"/>
       </p:ext>
     </p:extLst>
   </p:cSld>
